--- a/предзащита презентация.pptx
+++ b/предзащита презентация.pptx
@@ -157,7 +157,7 @@
 </file>
 
 <file path=ppt/charts/chart1.xml><?xml version="1.0" encoding="utf-8"?>
-<c:chartSpace xmlns:c="http://schemas.openxmlformats.org/drawingml/2006/chart" xmlns:a="http://schemas.openxmlformats.org/drawingml/2006/main" xmlns:r="http://schemas.openxmlformats.org/officeDocument/2006/relationships" xmlns:c16r2="http://schemas.microsoft.com/office/drawing/2015/06/chart">
+<c:chartSpace xmlns:c="http://schemas.openxmlformats.org/drawingml/2006/chart" xmlns:a="http://schemas.openxmlformats.org/drawingml/2006/main" xmlns:r="http://schemas.openxmlformats.org/officeDocument/2006/relationships">
   <c:date1904 val="0"/>
   <c:lang val="ru-RU"/>
   <c:roundedCorners val="0"/>
@@ -413,7 +413,7 @@
             </c:numRef>
           </c:val>
           <c:smooth val="0"/>
-          <c:extLst>
+          <c:extLst xmlns:c16r2="http://schemas.microsoft.com/office/drawing/2015/06/chart">
             <c:ext xmlns:c16="http://schemas.microsoft.com/office/drawing/2014/chart" uri="{C3380CC4-5D6E-409C-BE32-E72D297353CC}">
               <c16:uniqueId val="{00000000-FE67-475D-8C59-5B4A6778C7E0}"/>
             </c:ext>
@@ -547,7 +547,7 @@
             </c:numRef>
           </c:val>
           <c:smooth val="0"/>
-          <c:extLst>
+          <c:extLst xmlns:c16r2="http://schemas.microsoft.com/office/drawing/2015/06/chart">
             <c:ext xmlns:c16="http://schemas.microsoft.com/office/drawing/2014/chart" uri="{C3380CC4-5D6E-409C-BE32-E72D297353CC}">
               <c16:uniqueId val="{00000001-FE67-475D-8C59-5B4A6778C7E0}"/>
             </c:ext>
@@ -562,11 +562,11 @@
           <c:showBubbleSize val="0"/>
         </c:dLbls>
         <c:smooth val="0"/>
-        <c:axId val="855560800"/>
-        <c:axId val="855571136"/>
+        <c:axId val="94654704"/>
+        <c:axId val="94655248"/>
       </c:lineChart>
       <c:catAx>
-        <c:axId val="855560800"/>
+        <c:axId val="94654704"/>
         <c:scaling>
           <c:orientation val="minMax"/>
         </c:scaling>
@@ -623,7 +623,7 @@
             <a:endParaRPr lang="ru-RU"/>
           </a:p>
         </c:txPr>
-        <c:crossAx val="855571136"/>
+        <c:crossAx val="94655248"/>
         <c:crosses val="autoZero"/>
         <c:auto val="1"/>
         <c:lblAlgn val="ctr"/>
@@ -631,7 +631,7 @@
         <c:noMultiLvlLbl val="0"/>
       </c:catAx>
       <c:valAx>
-        <c:axId val="855571136"/>
+        <c:axId val="94655248"/>
         <c:scaling>
           <c:orientation val="minMax"/>
         </c:scaling>
@@ -682,7 +682,7 @@
             <a:endParaRPr lang="ru-RU"/>
           </a:p>
         </c:txPr>
-        <c:crossAx val="855560800"/>
+        <c:crossAx val="94654704"/>
         <c:crosses val="autoZero"/>
         <c:crossBetween val="midCat"/>
       </c:valAx>
@@ -754,7 +754,7 @@
 </file>
 
 <file path=ppt/charts/chart2.xml><?xml version="1.0" encoding="utf-8"?>
-<c:chartSpace xmlns:c="http://schemas.openxmlformats.org/drawingml/2006/chart" xmlns:a="http://schemas.openxmlformats.org/drawingml/2006/main" xmlns:r="http://schemas.openxmlformats.org/officeDocument/2006/relationships" xmlns:c16r2="http://schemas.microsoft.com/office/drawing/2015/06/chart">
+<c:chartSpace xmlns:c="http://schemas.openxmlformats.org/drawingml/2006/chart" xmlns:a="http://schemas.openxmlformats.org/drawingml/2006/main" xmlns:r="http://schemas.openxmlformats.org/officeDocument/2006/relationships">
   <c:date1904 val="0"/>
   <c:lang val="ru-RU"/>
   <c:roundedCorners val="0"/>
@@ -850,11 +850,11 @@
           <c:order val="0"/>
           <c:tx>
             <c:strRef>
-              <c:f>Gauss!$C$1</c:f>
+              <c:f>Gauss!$A$2</c:f>
               <c:strCache>
                 <c:ptCount val="1"/>
                 <c:pt idx="0">
-                  <c:v>S(2)</c:v>
+                  <c:v>100x100</c:v>
                 </c:pt>
               </c:strCache>
             </c:strRef>
@@ -873,109 +873,61 @@
           </c:marker>
           <c:cat>
             <c:strRef>
-              <c:f>Gauss!$A$2:$A$15</c:f>
+              <c:f>Gauss!$C$1:$H$1</c:f>
               <c:strCache>
-                <c:ptCount val="14"/>
+                <c:ptCount val="6"/>
                 <c:pt idx="0">
-                  <c:v>100x100</c:v>
+                  <c:v>S(2)</c:v>
                 </c:pt>
                 <c:pt idx="1">
-                  <c:v>500x500</c:v>
+                  <c:v>S(4)</c:v>
                 </c:pt>
                 <c:pt idx="2">
-                  <c:v>1000x1000</c:v>
+                  <c:v>S(6)</c:v>
                 </c:pt>
                 <c:pt idx="3">
-                  <c:v>1500x1500</c:v>
+                  <c:v>S(8)</c:v>
                 </c:pt>
                 <c:pt idx="4">
-                  <c:v>2000x2000</c:v>
+                  <c:v>S(10)</c:v>
                 </c:pt>
                 <c:pt idx="5">
-                  <c:v>2500x2500</c:v>
-                </c:pt>
-                <c:pt idx="6">
-                  <c:v>3000x3000</c:v>
-                </c:pt>
-                <c:pt idx="7">
-                  <c:v>3500x3500</c:v>
-                </c:pt>
-                <c:pt idx="8">
-                  <c:v>4000x4000</c:v>
-                </c:pt>
-                <c:pt idx="9">
-                  <c:v>4500x4500</c:v>
-                </c:pt>
-                <c:pt idx="10">
-                  <c:v>5000x5000</c:v>
-                </c:pt>
-                <c:pt idx="11">
-                  <c:v>5500x5500</c:v>
-                </c:pt>
-                <c:pt idx="12">
-                  <c:v>6000x6000</c:v>
-                </c:pt>
-                <c:pt idx="13">
-                  <c:v>6500x6500</c:v>
+                  <c:v>S(12)</c:v>
                 </c:pt>
               </c:strCache>
             </c:strRef>
           </c:cat>
           <c:val>
             <c:numRef>
-              <c:f>Gauss!$C$2:$C$15</c:f>
+              <c:f>Gauss!$C$2:$H$2</c:f>
               <c:numCache>
                 <c:formatCode>General</c:formatCode>
-                <c:ptCount val="14"/>
+                <c:ptCount val="6"/>
                 <c:pt idx="0">
                   <c:v>0.65269137138220179</c:v>
                 </c:pt>
                 <c:pt idx="1">
-                  <c:v>2.2489422683226423</c:v>
+                  <c:v>0.40829103214890017</c:v>
                 </c:pt>
                 <c:pt idx="2">
-                  <c:v>1.8817341319604008</c:v>
+                  <c:v>0.51515798462852269</c:v>
                 </c:pt>
                 <c:pt idx="3">
-                  <c:v>2.0246882530968011</c:v>
+                  <c:v>0.37691346454233055</c:v>
                 </c:pt>
                 <c:pt idx="4">
-                  <c:v>1.7503007732183296</c:v>
+                  <c:v>0.43020146193617403</c:v>
                 </c:pt>
                 <c:pt idx="5">
-                  <c:v>1.9062331222937134</c:v>
-                </c:pt>
-                <c:pt idx="6">
-                  <c:v>1.9650914045438799</c:v>
-                </c:pt>
-                <c:pt idx="7">
-                  <c:v>2.0143731134704899</c:v>
-                </c:pt>
-                <c:pt idx="8">
-                  <c:v>1.8588605765622206</c:v>
-                </c:pt>
-                <c:pt idx="9">
-                  <c:v>1.9812046813134188</c:v>
-                </c:pt>
-                <c:pt idx="10">
-                  <c:v>1.9992370323513</c:v>
-                </c:pt>
-                <c:pt idx="11">
-                  <c:v>1.9596719527309514</c:v>
-                </c:pt>
-                <c:pt idx="12">
-                  <c:v>1.941301200078968</c:v>
-                </c:pt>
-                <c:pt idx="13">
-                  <c:v>1.962494849284921</c:v>
+                  <c:v>0.44718309859154937</c:v>
                 </c:pt>
               </c:numCache>
             </c:numRef>
           </c:val>
           <c:smooth val="0"/>
-          <c:extLst>
+          <c:extLst xmlns:c16r2="http://schemas.microsoft.com/office/drawing/2015/06/chart">
             <c:ext xmlns:c16="http://schemas.microsoft.com/office/drawing/2014/chart" uri="{C3380CC4-5D6E-409C-BE32-E72D297353CC}">
-              <c16:uniqueId val="{00000000-E998-4C97-9A4D-3022BCDC9E25}"/>
+              <c16:uniqueId val="{00000001-3EDF-4985-9CB0-B5C536DD0D7F}"/>
             </c:ext>
           </c:extLst>
         </c:ser>
@@ -984,11 +936,11 @@
           <c:order val="1"/>
           <c:tx>
             <c:strRef>
-              <c:f>Gauss!$D$1</c:f>
+              <c:f>Gauss!$A$3</c:f>
               <c:strCache>
                 <c:ptCount val="1"/>
                 <c:pt idx="0">
-                  <c:v>S(4)</c:v>
+                  <c:v>500x500</c:v>
                 </c:pt>
               </c:strCache>
             </c:strRef>
@@ -1007,109 +959,61 @@
           </c:marker>
           <c:cat>
             <c:strRef>
-              <c:f>Gauss!$A$2:$A$15</c:f>
+              <c:f>Gauss!$C$1:$H$1</c:f>
               <c:strCache>
-                <c:ptCount val="14"/>
+                <c:ptCount val="6"/>
                 <c:pt idx="0">
-                  <c:v>100x100</c:v>
+                  <c:v>S(2)</c:v>
                 </c:pt>
                 <c:pt idx="1">
-                  <c:v>500x500</c:v>
+                  <c:v>S(4)</c:v>
                 </c:pt>
                 <c:pt idx="2">
-                  <c:v>1000x1000</c:v>
+                  <c:v>S(6)</c:v>
                 </c:pt>
                 <c:pt idx="3">
-                  <c:v>1500x1500</c:v>
+                  <c:v>S(8)</c:v>
                 </c:pt>
                 <c:pt idx="4">
-                  <c:v>2000x2000</c:v>
+                  <c:v>S(10)</c:v>
                 </c:pt>
                 <c:pt idx="5">
-                  <c:v>2500x2500</c:v>
-                </c:pt>
-                <c:pt idx="6">
-                  <c:v>3000x3000</c:v>
-                </c:pt>
-                <c:pt idx="7">
-                  <c:v>3500x3500</c:v>
-                </c:pt>
-                <c:pt idx="8">
-                  <c:v>4000x4000</c:v>
-                </c:pt>
-                <c:pt idx="9">
-                  <c:v>4500x4500</c:v>
-                </c:pt>
-                <c:pt idx="10">
-                  <c:v>5000x5000</c:v>
-                </c:pt>
-                <c:pt idx="11">
-                  <c:v>5500x5500</c:v>
-                </c:pt>
-                <c:pt idx="12">
-                  <c:v>6000x6000</c:v>
-                </c:pt>
-                <c:pt idx="13">
-                  <c:v>6500x6500</c:v>
+                  <c:v>S(12)</c:v>
                 </c:pt>
               </c:strCache>
             </c:strRef>
           </c:cat>
           <c:val>
             <c:numRef>
-              <c:f>Gauss!$D$2:$D$15</c:f>
+              <c:f>Gauss!$C$3:$H$3</c:f>
               <c:numCache>
                 <c:formatCode>General</c:formatCode>
-                <c:ptCount val="14"/>
+                <c:ptCount val="6"/>
                 <c:pt idx="0">
-                  <c:v>0.40829103214890017</c:v>
+                  <c:v>2.2489422683226423</c:v>
                 </c:pt>
                 <c:pt idx="1">
                   <c:v>2.8868714861356652</c:v>
                 </c:pt>
                 <c:pt idx="2">
-                  <c:v>3.1678975112113505</c:v>
+                  <c:v>2.7787521079258011</c:v>
                 </c:pt>
                 <c:pt idx="3">
-                  <c:v>3.2794469253554119</c:v>
+                  <c:v>2.7872124492557506</c:v>
                 </c:pt>
                 <c:pt idx="4">
-                  <c:v>3.219925824834915</c:v>
+                  <c:v>2.9399227949524769</c:v>
                 </c:pt>
                 <c:pt idx="5">
-                  <c:v>3.34977870765821</c:v>
-                </c:pt>
-                <c:pt idx="6">
-                  <c:v>3.3931352439966642</c:v>
-                </c:pt>
-                <c:pt idx="7">
-                  <c:v>3.6298727480786641</c:v>
-                </c:pt>
-                <c:pt idx="8">
-                  <c:v>3.3841612206857739</c:v>
-                </c:pt>
-                <c:pt idx="9">
-                  <c:v>3.6079826737524363</c:v>
-                </c:pt>
-                <c:pt idx="10">
-                  <c:v>3.5032622502737518</c:v>
-                </c:pt>
-                <c:pt idx="11">
-                  <c:v>3.540052664305001</c:v>
-                </c:pt>
-                <c:pt idx="12">
-                  <c:v>3.4210958649863961</c:v>
-                </c:pt>
-                <c:pt idx="13">
-                  <c:v>3.5193188447018184</c:v>
+                  <c:v>2.8347695531818395</c:v>
                 </c:pt>
               </c:numCache>
             </c:numRef>
           </c:val>
           <c:smooth val="0"/>
-          <c:extLst>
+          <c:extLst xmlns:c16r2="http://schemas.microsoft.com/office/drawing/2015/06/chart">
             <c:ext xmlns:c16="http://schemas.microsoft.com/office/drawing/2014/chart" uri="{C3380CC4-5D6E-409C-BE32-E72D297353CC}">
-              <c16:uniqueId val="{00000001-E998-4C97-9A4D-3022BCDC9E25}"/>
+              <c16:uniqueId val="{00000002-3EDF-4985-9CB0-B5C536DD0D7F}"/>
             </c:ext>
           </c:extLst>
         </c:ser>
@@ -1118,11 +1022,11 @@
           <c:order val="2"/>
           <c:tx>
             <c:strRef>
-              <c:f>Gauss!$E$1</c:f>
+              <c:f>Gauss!$A$4</c:f>
               <c:strCache>
                 <c:ptCount val="1"/>
                 <c:pt idx="0">
-                  <c:v>S(6)</c:v>
+                  <c:v>1000x1000</c:v>
                 </c:pt>
               </c:strCache>
             </c:strRef>
@@ -1141,109 +1045,61 @@
           </c:marker>
           <c:cat>
             <c:strRef>
-              <c:f>Gauss!$A$2:$A$15</c:f>
+              <c:f>Gauss!$C$1:$H$1</c:f>
               <c:strCache>
-                <c:ptCount val="14"/>
+                <c:ptCount val="6"/>
                 <c:pt idx="0">
-                  <c:v>100x100</c:v>
+                  <c:v>S(2)</c:v>
                 </c:pt>
                 <c:pt idx="1">
-                  <c:v>500x500</c:v>
+                  <c:v>S(4)</c:v>
                 </c:pt>
                 <c:pt idx="2">
-                  <c:v>1000x1000</c:v>
+                  <c:v>S(6)</c:v>
                 </c:pt>
                 <c:pt idx="3">
-                  <c:v>1500x1500</c:v>
+                  <c:v>S(8)</c:v>
                 </c:pt>
                 <c:pt idx="4">
-                  <c:v>2000x2000</c:v>
+                  <c:v>S(10)</c:v>
                 </c:pt>
                 <c:pt idx="5">
-                  <c:v>2500x2500</c:v>
-                </c:pt>
-                <c:pt idx="6">
-                  <c:v>3000x3000</c:v>
-                </c:pt>
-                <c:pt idx="7">
-                  <c:v>3500x3500</c:v>
-                </c:pt>
-                <c:pt idx="8">
-                  <c:v>4000x4000</c:v>
-                </c:pt>
-                <c:pt idx="9">
-                  <c:v>4500x4500</c:v>
-                </c:pt>
-                <c:pt idx="10">
-                  <c:v>5000x5000</c:v>
-                </c:pt>
-                <c:pt idx="11">
-                  <c:v>5500x5500</c:v>
-                </c:pt>
-                <c:pt idx="12">
-                  <c:v>6000x6000</c:v>
-                </c:pt>
-                <c:pt idx="13">
-                  <c:v>6500x6500</c:v>
+                  <c:v>S(12)</c:v>
                 </c:pt>
               </c:strCache>
             </c:strRef>
           </c:cat>
           <c:val>
             <c:numRef>
-              <c:f>Gauss!$E$2:$E$15</c:f>
+              <c:f>Gauss!$C$4:$H$4</c:f>
               <c:numCache>
                 <c:formatCode>General</c:formatCode>
-                <c:ptCount val="14"/>
+                <c:ptCount val="6"/>
                 <c:pt idx="0">
-                  <c:v>0.51515798462852269</c:v>
+                  <c:v>1.8817341319604008</c:v>
                 </c:pt>
                 <c:pt idx="1">
-                  <c:v>2.7787521079258011</c:v>
+                  <c:v>3.1678975112113505</c:v>
                 </c:pt>
                 <c:pt idx="2">
                   <c:v>3.7319527431583239</c:v>
                 </c:pt>
                 <c:pt idx="3">
-                  <c:v>4.1124469189202308</c:v>
+                  <c:v>3.808312420394214</c:v>
                 </c:pt>
                 <c:pt idx="4">
-                  <c:v>4.0136253741135874</c:v>
+                  <c:v>3.8809421304923344</c:v>
                 </c:pt>
                 <c:pt idx="5">
-                  <c:v>4.2628624138151467</c:v>
-                </c:pt>
-                <c:pt idx="6">
-                  <c:v>4.2258734732427854</c:v>
-                </c:pt>
-                <c:pt idx="7">
-                  <c:v>4.9580041340913725</c:v>
-                </c:pt>
-                <c:pt idx="8">
-                  <c:v>4.6159388409833744</c:v>
-                </c:pt>
-                <c:pt idx="9">
-                  <c:v>4.8466898589483147</c:v>
-                </c:pt>
-                <c:pt idx="10">
-                  <c:v>4.7407715819976213</c:v>
-                </c:pt>
-                <c:pt idx="11">
-                  <c:v>4.7249581510701226</c:v>
-                </c:pt>
-                <c:pt idx="12">
-                  <c:v>4.6397857978060832</c:v>
-                </c:pt>
-                <c:pt idx="13">
-                  <c:v>4.7489171282753304</c:v>
+                  <c:v>3.9463786913042198</c:v>
                 </c:pt>
               </c:numCache>
             </c:numRef>
           </c:val>
           <c:smooth val="0"/>
-          <c:extLst>
+          <c:extLst xmlns:c16r2="http://schemas.microsoft.com/office/drawing/2015/06/chart">
             <c:ext xmlns:c16="http://schemas.microsoft.com/office/drawing/2014/chart" uri="{C3380CC4-5D6E-409C-BE32-E72D297353CC}">
-              <c16:uniqueId val="{00000002-E998-4C97-9A4D-3022BCDC9E25}"/>
+              <c16:uniqueId val="{00000003-3EDF-4985-9CB0-B5C536DD0D7F}"/>
             </c:ext>
           </c:extLst>
         </c:ser>
@@ -1252,11 +1108,11 @@
           <c:order val="3"/>
           <c:tx>
             <c:strRef>
-              <c:f>Gauss!$F$1</c:f>
+              <c:f>Gauss!$A$5</c:f>
               <c:strCache>
                 <c:ptCount val="1"/>
                 <c:pt idx="0">
-                  <c:v>S(8)</c:v>
+                  <c:v>1500x1500</c:v>
                 </c:pt>
               </c:strCache>
             </c:strRef>
@@ -1275,109 +1131,61 @@
           </c:marker>
           <c:cat>
             <c:strRef>
-              <c:f>Gauss!$A$2:$A$15</c:f>
+              <c:f>Gauss!$C$1:$H$1</c:f>
               <c:strCache>
-                <c:ptCount val="14"/>
+                <c:ptCount val="6"/>
                 <c:pt idx="0">
-                  <c:v>100x100</c:v>
+                  <c:v>S(2)</c:v>
                 </c:pt>
                 <c:pt idx="1">
-                  <c:v>500x500</c:v>
+                  <c:v>S(4)</c:v>
                 </c:pt>
                 <c:pt idx="2">
-                  <c:v>1000x1000</c:v>
+                  <c:v>S(6)</c:v>
                 </c:pt>
                 <c:pt idx="3">
-                  <c:v>1500x1500</c:v>
+                  <c:v>S(8)</c:v>
                 </c:pt>
                 <c:pt idx="4">
-                  <c:v>2000x2000</c:v>
+                  <c:v>S(10)</c:v>
                 </c:pt>
                 <c:pt idx="5">
-                  <c:v>2500x2500</c:v>
-                </c:pt>
-                <c:pt idx="6">
-                  <c:v>3000x3000</c:v>
-                </c:pt>
-                <c:pt idx="7">
-                  <c:v>3500x3500</c:v>
-                </c:pt>
-                <c:pt idx="8">
-                  <c:v>4000x4000</c:v>
-                </c:pt>
-                <c:pt idx="9">
-                  <c:v>4500x4500</c:v>
-                </c:pt>
-                <c:pt idx="10">
-                  <c:v>5000x5000</c:v>
-                </c:pt>
-                <c:pt idx="11">
-                  <c:v>5500x5500</c:v>
-                </c:pt>
-                <c:pt idx="12">
-                  <c:v>6000x6000</c:v>
-                </c:pt>
-                <c:pt idx="13">
-                  <c:v>6500x6500</c:v>
+                  <c:v>S(12)</c:v>
                 </c:pt>
               </c:strCache>
             </c:strRef>
           </c:cat>
           <c:val>
             <c:numRef>
-              <c:f>Gauss!$F$2:$F$15</c:f>
+              <c:f>Gauss!$C$5:$H$5</c:f>
               <c:numCache>
                 <c:formatCode>General</c:formatCode>
-                <c:ptCount val="14"/>
+                <c:ptCount val="6"/>
                 <c:pt idx="0">
-                  <c:v>0.37691346454233055</c:v>
+                  <c:v>2.0246882530968011</c:v>
                 </c:pt>
                 <c:pt idx="1">
-                  <c:v>2.7872124492557506</c:v>
+                  <c:v>3.2794469253554119</c:v>
                 </c:pt>
                 <c:pt idx="2">
-                  <c:v>3.808312420394214</c:v>
+                  <c:v>4.1124469189202308</c:v>
                 </c:pt>
                 <c:pt idx="3">
                   <c:v>4.1057395649552557</c:v>
                 </c:pt>
                 <c:pt idx="4">
-                  <c:v>3.9675280043097843</c:v>
+                  <c:v>4.2284424881664711</c:v>
                 </c:pt>
                 <c:pt idx="5">
-                  <c:v>4.2285962235567816</c:v>
-                </c:pt>
-                <c:pt idx="6">
-                  <c:v>4.1922568903587374</c:v>
-                </c:pt>
-                <c:pt idx="7">
-                  <c:v>4.8269805450736998</c:v>
-                </c:pt>
-                <c:pt idx="8">
-                  <c:v>4.4727062744190462</c:v>
-                </c:pt>
-                <c:pt idx="9">
-                  <c:v>4.7013405787943405</c:v>
-                </c:pt>
-                <c:pt idx="10">
-                  <c:v>4.676747228094202</c:v>
-                </c:pt>
-                <c:pt idx="11">
-                  <c:v>4.5928447801686518</c:v>
-                </c:pt>
-                <c:pt idx="12">
-                  <c:v>4.4764757387352541</c:v>
-                </c:pt>
-                <c:pt idx="13">
-                  <c:v>4.5303815750474898</c:v>
+                  <c:v>4.3172652763884196</c:v>
                 </c:pt>
               </c:numCache>
             </c:numRef>
           </c:val>
           <c:smooth val="0"/>
-          <c:extLst>
+          <c:extLst xmlns:c16r2="http://schemas.microsoft.com/office/drawing/2015/06/chart">
             <c:ext xmlns:c16="http://schemas.microsoft.com/office/drawing/2014/chart" uri="{C3380CC4-5D6E-409C-BE32-E72D297353CC}">
-              <c16:uniqueId val="{00000003-E998-4C97-9A4D-3022BCDC9E25}"/>
+              <c16:uniqueId val="{00000004-3EDF-4985-9CB0-B5C536DD0D7F}"/>
             </c:ext>
           </c:extLst>
         </c:ser>
@@ -1386,11 +1194,11 @@
           <c:order val="4"/>
           <c:tx>
             <c:strRef>
-              <c:f>Gauss!$G$1</c:f>
+              <c:f>Gauss!$A$6</c:f>
               <c:strCache>
                 <c:ptCount val="1"/>
                 <c:pt idx="0">
-                  <c:v>S(10)</c:v>
+                  <c:v>2000x2000</c:v>
                 </c:pt>
               </c:strCache>
             </c:strRef>
@@ -1409,109 +1217,61 @@
           </c:marker>
           <c:cat>
             <c:strRef>
-              <c:f>Gauss!$A$2:$A$15</c:f>
+              <c:f>Gauss!$C$1:$H$1</c:f>
               <c:strCache>
-                <c:ptCount val="14"/>
+                <c:ptCount val="6"/>
                 <c:pt idx="0">
-                  <c:v>100x100</c:v>
+                  <c:v>S(2)</c:v>
                 </c:pt>
                 <c:pt idx="1">
-                  <c:v>500x500</c:v>
+                  <c:v>S(4)</c:v>
                 </c:pt>
                 <c:pt idx="2">
-                  <c:v>1000x1000</c:v>
+                  <c:v>S(6)</c:v>
                 </c:pt>
                 <c:pt idx="3">
-                  <c:v>1500x1500</c:v>
+                  <c:v>S(8)</c:v>
                 </c:pt>
                 <c:pt idx="4">
-                  <c:v>2000x2000</c:v>
+                  <c:v>S(10)</c:v>
                 </c:pt>
                 <c:pt idx="5">
-                  <c:v>2500x2500</c:v>
-                </c:pt>
-                <c:pt idx="6">
-                  <c:v>3000x3000</c:v>
-                </c:pt>
-                <c:pt idx="7">
-                  <c:v>3500x3500</c:v>
-                </c:pt>
-                <c:pt idx="8">
-                  <c:v>4000x4000</c:v>
-                </c:pt>
-                <c:pt idx="9">
-                  <c:v>4500x4500</c:v>
-                </c:pt>
-                <c:pt idx="10">
-                  <c:v>5000x5000</c:v>
-                </c:pt>
-                <c:pt idx="11">
-                  <c:v>5500x5500</c:v>
-                </c:pt>
-                <c:pt idx="12">
-                  <c:v>6000x6000</c:v>
-                </c:pt>
-                <c:pt idx="13">
-                  <c:v>6500x6500</c:v>
+                  <c:v>S(12)</c:v>
                 </c:pt>
               </c:strCache>
             </c:strRef>
           </c:cat>
           <c:val>
             <c:numRef>
-              <c:f>Gauss!$G$2:$G$15</c:f>
+              <c:f>Gauss!$C$6:$H$6</c:f>
               <c:numCache>
                 <c:formatCode>General</c:formatCode>
-                <c:ptCount val="14"/>
+                <c:ptCount val="6"/>
                 <c:pt idx="0">
-                  <c:v>0.43020146193617403</c:v>
+                  <c:v>1.7503007732183296</c:v>
                 </c:pt>
                 <c:pt idx="1">
-                  <c:v>2.9399227949524769</c:v>
+                  <c:v>3.219925824834915</c:v>
                 </c:pt>
                 <c:pt idx="2">
-                  <c:v>3.8809421304923344</c:v>
+                  <c:v>4.0136253741135874</c:v>
                 </c:pt>
                 <c:pt idx="3">
-                  <c:v>4.2284424881664711</c:v>
+                  <c:v>3.9675280043097843</c:v>
                 </c:pt>
                 <c:pt idx="4">
                   <c:v>4.1118875850618446</c:v>
                 </c:pt>
                 <c:pt idx="5">
-                  <c:v>4.288391947887769</c:v>
-                </c:pt>
-                <c:pt idx="6">
-                  <c:v>4.2569766520510779</c:v>
-                </c:pt>
-                <c:pt idx="7">
-                  <c:v>4.7977788086298219</c:v>
-                </c:pt>
-                <c:pt idx="8">
-                  <c:v>4.5824972992787778</c:v>
-                </c:pt>
-                <c:pt idx="9">
-                  <c:v>4.7176271980290272</c:v>
-                </c:pt>
-                <c:pt idx="10">
-                  <c:v>4.6802480377642688</c:v>
-                </c:pt>
-                <c:pt idx="11">
-                  <c:v>4.6177571146826812</c:v>
-                </c:pt>
-                <c:pt idx="12">
-                  <c:v>4.4912688688567135</c:v>
-                </c:pt>
-                <c:pt idx="13">
-                  <c:v>4.599402648725321</c:v>
+                  <c:v>4.1528232827036282</c:v>
                 </c:pt>
               </c:numCache>
             </c:numRef>
           </c:val>
           <c:smooth val="0"/>
-          <c:extLst>
+          <c:extLst xmlns:c16r2="http://schemas.microsoft.com/office/drawing/2015/06/chart">
             <c:ext xmlns:c16="http://schemas.microsoft.com/office/drawing/2014/chart" uri="{C3380CC4-5D6E-409C-BE32-E72D297353CC}">
-              <c16:uniqueId val="{00000004-E998-4C97-9A4D-3022BCDC9E25}"/>
+              <c16:uniqueId val="{00000000-29DA-4553-90C0-B8B75E78ED3A}"/>
             </c:ext>
           </c:extLst>
         </c:ser>
@@ -1520,11 +1280,11 @@
           <c:order val="5"/>
           <c:tx>
             <c:strRef>
-              <c:f>Gauss!$H$1</c:f>
+              <c:f>Gauss!$A$7</c:f>
               <c:strCache>
                 <c:ptCount val="1"/>
                 <c:pt idx="0">
-                  <c:v>S(12)</c:v>
+                  <c:v>2500x2500</c:v>
                 </c:pt>
               </c:strCache>
             </c:strRef>
@@ -1543,111 +1303,729 @@
           </c:marker>
           <c:cat>
             <c:strRef>
-              <c:f>Gauss!$A$2:$A$15</c:f>
+              <c:f>Gauss!$C$1:$H$1</c:f>
               <c:strCache>
-                <c:ptCount val="14"/>
+                <c:ptCount val="6"/>
                 <c:pt idx="0">
-                  <c:v>100x100</c:v>
+                  <c:v>S(2)</c:v>
                 </c:pt>
                 <c:pt idx="1">
-                  <c:v>500x500</c:v>
+                  <c:v>S(4)</c:v>
                 </c:pt>
                 <c:pt idx="2">
-                  <c:v>1000x1000</c:v>
+                  <c:v>S(6)</c:v>
                 </c:pt>
                 <c:pt idx="3">
-                  <c:v>1500x1500</c:v>
+                  <c:v>S(8)</c:v>
                 </c:pt>
                 <c:pt idx="4">
-                  <c:v>2000x2000</c:v>
+                  <c:v>S(10)</c:v>
                 </c:pt>
                 <c:pt idx="5">
-                  <c:v>2500x2500</c:v>
-                </c:pt>
-                <c:pt idx="6">
-                  <c:v>3000x3000</c:v>
-                </c:pt>
-                <c:pt idx="7">
-                  <c:v>3500x3500</c:v>
-                </c:pt>
-                <c:pt idx="8">
-                  <c:v>4000x4000</c:v>
-                </c:pt>
-                <c:pt idx="9">
-                  <c:v>4500x4500</c:v>
-                </c:pt>
-                <c:pt idx="10">
-                  <c:v>5000x5000</c:v>
-                </c:pt>
-                <c:pt idx="11">
-                  <c:v>5500x5500</c:v>
-                </c:pt>
-                <c:pt idx="12">
-                  <c:v>6000x6000</c:v>
-                </c:pt>
-                <c:pt idx="13">
-                  <c:v>6500x6500</c:v>
+                  <c:v>S(12)</c:v>
                 </c:pt>
               </c:strCache>
             </c:strRef>
           </c:cat>
           <c:val>
             <c:numRef>
-              <c:f>Gauss!$H$2:$H$15</c:f>
+              <c:f>Gauss!$C$7:$H$7</c:f>
               <c:numCache>
                 <c:formatCode>General</c:formatCode>
-                <c:ptCount val="14"/>
+                <c:ptCount val="6"/>
                 <c:pt idx="0">
-                  <c:v>0.44718309859154937</c:v>
+                  <c:v>1.9062331222937134</c:v>
                 </c:pt>
                 <c:pt idx="1">
-                  <c:v>2.8347695531818395</c:v>
+                  <c:v>3.34977870765821</c:v>
                 </c:pt>
                 <c:pt idx="2">
-                  <c:v>3.9463786913042198</c:v>
+                  <c:v>4.2628624138151467</c:v>
                 </c:pt>
                 <c:pt idx="3">
-                  <c:v>4.3172652763884196</c:v>
+                  <c:v>4.2285962235567816</c:v>
                 </c:pt>
                 <c:pt idx="4">
-                  <c:v>4.1528232827036282</c:v>
+                  <c:v>4.288391947887769</c:v>
                 </c:pt>
                 <c:pt idx="5">
                   <c:v>4.3448162380210213</c:v>
-                </c:pt>
-                <c:pt idx="6">
-                  <c:v>4.23346610296867</c:v>
-                </c:pt>
-                <c:pt idx="7">
-                  <c:v>4.6594769625831756</c:v>
-                </c:pt>
-                <c:pt idx="8">
-                  <c:v>4.7436635138547887</c:v>
-                </c:pt>
-                <c:pt idx="9">
-                  <c:v>4.8862247627719695</c:v>
-                </c:pt>
-                <c:pt idx="10">
-                  <c:v>4.811177961779677</c:v>
-                </c:pt>
-                <c:pt idx="11">
-                  <c:v>4.7909239527372289</c:v>
-                </c:pt>
-                <c:pt idx="12">
-                  <c:v>4.5713301141843354</c:v>
-                </c:pt>
-                <c:pt idx="13">
-                  <c:v>4.7805316051655327</c:v>
                 </c:pt>
               </c:numCache>
             </c:numRef>
           </c:val>
           <c:smooth val="0"/>
-          <c:extLst>
+          <c:extLst xmlns:c16r2="http://schemas.microsoft.com/office/drawing/2015/06/chart">
             <c:ext xmlns:c16="http://schemas.microsoft.com/office/drawing/2014/chart" uri="{C3380CC4-5D6E-409C-BE32-E72D297353CC}">
-              <c16:uniqueId val="{00000005-E998-4C97-9A4D-3022BCDC9E25}"/>
+              <c16:uniqueId val="{00000001-29DA-4553-90C0-B8B75E78ED3A}"/>
             </c:ext>
           </c:extLst>
+        </c:ser>
+        <c:ser>
+          <c:idx val="6"/>
+          <c:order val="6"/>
+          <c:tx>
+            <c:strRef>
+              <c:f>Gauss!$A$8</c:f>
+              <c:strCache>
+                <c:ptCount val="1"/>
+                <c:pt idx="0">
+                  <c:v>3000x3000</c:v>
+                </c:pt>
+              </c:strCache>
+            </c:strRef>
+          </c:tx>
+          <c:spPr>
+            <a:ln w="28575" cap="rnd">
+              <a:solidFill>
+                <a:schemeClr val="accent1">
+                  <a:lumMod val="60000"/>
+                </a:schemeClr>
+              </a:solidFill>
+              <a:round/>
+            </a:ln>
+            <a:effectLst/>
+          </c:spPr>
+          <c:marker>
+            <c:symbol val="none"/>
+          </c:marker>
+          <c:cat>
+            <c:strRef>
+              <c:f>Gauss!$C$1:$H$1</c:f>
+              <c:strCache>
+                <c:ptCount val="6"/>
+                <c:pt idx="0">
+                  <c:v>S(2)</c:v>
+                </c:pt>
+                <c:pt idx="1">
+                  <c:v>S(4)</c:v>
+                </c:pt>
+                <c:pt idx="2">
+                  <c:v>S(6)</c:v>
+                </c:pt>
+                <c:pt idx="3">
+                  <c:v>S(8)</c:v>
+                </c:pt>
+                <c:pt idx="4">
+                  <c:v>S(10)</c:v>
+                </c:pt>
+                <c:pt idx="5">
+                  <c:v>S(12)</c:v>
+                </c:pt>
+              </c:strCache>
+            </c:strRef>
+          </c:cat>
+          <c:val>
+            <c:numRef>
+              <c:f>Gauss!$C$8:$H$8</c:f>
+              <c:numCache>
+                <c:formatCode>General</c:formatCode>
+                <c:ptCount val="6"/>
+                <c:pt idx="0">
+                  <c:v>1.9650914045438799</c:v>
+                </c:pt>
+                <c:pt idx="1">
+                  <c:v>3.3931352439966642</c:v>
+                </c:pt>
+                <c:pt idx="2">
+                  <c:v>4.2258734732427854</c:v>
+                </c:pt>
+                <c:pt idx="3">
+                  <c:v>4.1922568903587374</c:v>
+                </c:pt>
+                <c:pt idx="4">
+                  <c:v>4.2569766520510779</c:v>
+                </c:pt>
+                <c:pt idx="5">
+                  <c:v>4.23346610296867</c:v>
+                </c:pt>
+              </c:numCache>
+            </c:numRef>
+          </c:val>
+          <c:smooth val="0"/>
+        </c:ser>
+        <c:ser>
+          <c:idx val="7"/>
+          <c:order val="7"/>
+          <c:tx>
+            <c:strRef>
+              <c:f>Gauss!$A$9</c:f>
+              <c:strCache>
+                <c:ptCount val="1"/>
+                <c:pt idx="0">
+                  <c:v>3500x3500</c:v>
+                </c:pt>
+              </c:strCache>
+            </c:strRef>
+          </c:tx>
+          <c:spPr>
+            <a:ln w="28575" cap="rnd">
+              <a:solidFill>
+                <a:schemeClr val="accent2">
+                  <a:lumMod val="60000"/>
+                </a:schemeClr>
+              </a:solidFill>
+              <a:round/>
+            </a:ln>
+            <a:effectLst/>
+          </c:spPr>
+          <c:marker>
+            <c:symbol val="none"/>
+          </c:marker>
+          <c:cat>
+            <c:strRef>
+              <c:f>Gauss!$C$1:$H$1</c:f>
+              <c:strCache>
+                <c:ptCount val="6"/>
+                <c:pt idx="0">
+                  <c:v>S(2)</c:v>
+                </c:pt>
+                <c:pt idx="1">
+                  <c:v>S(4)</c:v>
+                </c:pt>
+                <c:pt idx="2">
+                  <c:v>S(6)</c:v>
+                </c:pt>
+                <c:pt idx="3">
+                  <c:v>S(8)</c:v>
+                </c:pt>
+                <c:pt idx="4">
+                  <c:v>S(10)</c:v>
+                </c:pt>
+                <c:pt idx="5">
+                  <c:v>S(12)</c:v>
+                </c:pt>
+              </c:strCache>
+            </c:strRef>
+          </c:cat>
+          <c:val>
+            <c:numRef>
+              <c:f>Gauss!$C$9:$H$9</c:f>
+              <c:numCache>
+                <c:formatCode>General</c:formatCode>
+                <c:ptCount val="6"/>
+                <c:pt idx="0">
+                  <c:v>2.0143731134704899</c:v>
+                </c:pt>
+                <c:pt idx="1">
+                  <c:v>3.6298727480786641</c:v>
+                </c:pt>
+                <c:pt idx="2">
+                  <c:v>4.9580041340913725</c:v>
+                </c:pt>
+                <c:pt idx="3">
+                  <c:v>4.8269805450736998</c:v>
+                </c:pt>
+                <c:pt idx="4">
+                  <c:v>4.7977788086298219</c:v>
+                </c:pt>
+                <c:pt idx="5">
+                  <c:v>4.6594769625831756</c:v>
+                </c:pt>
+              </c:numCache>
+            </c:numRef>
+          </c:val>
+          <c:smooth val="0"/>
+        </c:ser>
+        <c:ser>
+          <c:idx val="8"/>
+          <c:order val="8"/>
+          <c:tx>
+            <c:strRef>
+              <c:f>Gauss!$A$10</c:f>
+              <c:strCache>
+                <c:ptCount val="1"/>
+                <c:pt idx="0">
+                  <c:v>4000x4000</c:v>
+                </c:pt>
+              </c:strCache>
+            </c:strRef>
+          </c:tx>
+          <c:spPr>
+            <a:ln w="28575" cap="rnd">
+              <a:solidFill>
+                <a:schemeClr val="accent3">
+                  <a:lumMod val="60000"/>
+                </a:schemeClr>
+              </a:solidFill>
+              <a:round/>
+            </a:ln>
+            <a:effectLst/>
+          </c:spPr>
+          <c:marker>
+            <c:symbol val="none"/>
+          </c:marker>
+          <c:cat>
+            <c:strRef>
+              <c:f>Gauss!$C$1:$H$1</c:f>
+              <c:strCache>
+                <c:ptCount val="6"/>
+                <c:pt idx="0">
+                  <c:v>S(2)</c:v>
+                </c:pt>
+                <c:pt idx="1">
+                  <c:v>S(4)</c:v>
+                </c:pt>
+                <c:pt idx="2">
+                  <c:v>S(6)</c:v>
+                </c:pt>
+                <c:pt idx="3">
+                  <c:v>S(8)</c:v>
+                </c:pt>
+                <c:pt idx="4">
+                  <c:v>S(10)</c:v>
+                </c:pt>
+                <c:pt idx="5">
+                  <c:v>S(12)</c:v>
+                </c:pt>
+              </c:strCache>
+            </c:strRef>
+          </c:cat>
+          <c:val>
+            <c:numRef>
+              <c:f>Gauss!$C$10:$H$10</c:f>
+              <c:numCache>
+                <c:formatCode>General</c:formatCode>
+                <c:ptCount val="6"/>
+                <c:pt idx="0">
+                  <c:v>1.8588605765622206</c:v>
+                </c:pt>
+                <c:pt idx="1">
+                  <c:v>3.3841612206857739</c:v>
+                </c:pt>
+                <c:pt idx="2">
+                  <c:v>4.6159388409833744</c:v>
+                </c:pt>
+                <c:pt idx="3">
+                  <c:v>4.4727062744190462</c:v>
+                </c:pt>
+                <c:pt idx="4">
+                  <c:v>4.5824972992787778</c:v>
+                </c:pt>
+                <c:pt idx="5">
+                  <c:v>4.7436635138547887</c:v>
+                </c:pt>
+              </c:numCache>
+            </c:numRef>
+          </c:val>
+          <c:smooth val="0"/>
+        </c:ser>
+        <c:ser>
+          <c:idx val="9"/>
+          <c:order val="9"/>
+          <c:tx>
+            <c:strRef>
+              <c:f>Gauss!$A$11</c:f>
+              <c:strCache>
+                <c:ptCount val="1"/>
+                <c:pt idx="0">
+                  <c:v>4500x4500</c:v>
+                </c:pt>
+              </c:strCache>
+            </c:strRef>
+          </c:tx>
+          <c:spPr>
+            <a:ln w="28575" cap="rnd">
+              <a:solidFill>
+                <a:schemeClr val="accent4">
+                  <a:lumMod val="60000"/>
+                </a:schemeClr>
+              </a:solidFill>
+              <a:round/>
+            </a:ln>
+            <a:effectLst/>
+          </c:spPr>
+          <c:marker>
+            <c:symbol val="none"/>
+          </c:marker>
+          <c:cat>
+            <c:strRef>
+              <c:f>Gauss!$C$1:$H$1</c:f>
+              <c:strCache>
+                <c:ptCount val="6"/>
+                <c:pt idx="0">
+                  <c:v>S(2)</c:v>
+                </c:pt>
+                <c:pt idx="1">
+                  <c:v>S(4)</c:v>
+                </c:pt>
+                <c:pt idx="2">
+                  <c:v>S(6)</c:v>
+                </c:pt>
+                <c:pt idx="3">
+                  <c:v>S(8)</c:v>
+                </c:pt>
+                <c:pt idx="4">
+                  <c:v>S(10)</c:v>
+                </c:pt>
+                <c:pt idx="5">
+                  <c:v>S(12)</c:v>
+                </c:pt>
+              </c:strCache>
+            </c:strRef>
+          </c:cat>
+          <c:val>
+            <c:numRef>
+              <c:f>Gauss!$C$11:$H$11</c:f>
+              <c:numCache>
+                <c:formatCode>General</c:formatCode>
+                <c:ptCount val="6"/>
+                <c:pt idx="0">
+                  <c:v>1.9812046813134188</c:v>
+                </c:pt>
+                <c:pt idx="1">
+                  <c:v>3.6079826737524363</c:v>
+                </c:pt>
+                <c:pt idx="2">
+                  <c:v>4.8466898589483147</c:v>
+                </c:pt>
+                <c:pt idx="3">
+                  <c:v>4.7013405787943405</c:v>
+                </c:pt>
+                <c:pt idx="4">
+                  <c:v>4.7176271980290272</c:v>
+                </c:pt>
+                <c:pt idx="5">
+                  <c:v>4.8862247627719695</c:v>
+                </c:pt>
+              </c:numCache>
+            </c:numRef>
+          </c:val>
+          <c:smooth val="0"/>
+        </c:ser>
+        <c:ser>
+          <c:idx val="10"/>
+          <c:order val="10"/>
+          <c:tx>
+            <c:strRef>
+              <c:f>Gauss!$A$12</c:f>
+              <c:strCache>
+                <c:ptCount val="1"/>
+                <c:pt idx="0">
+                  <c:v>5000x5000</c:v>
+                </c:pt>
+              </c:strCache>
+            </c:strRef>
+          </c:tx>
+          <c:spPr>
+            <a:ln w="28575" cap="rnd">
+              <a:solidFill>
+                <a:schemeClr val="accent5">
+                  <a:lumMod val="60000"/>
+                </a:schemeClr>
+              </a:solidFill>
+              <a:round/>
+            </a:ln>
+            <a:effectLst/>
+          </c:spPr>
+          <c:marker>
+            <c:symbol val="none"/>
+          </c:marker>
+          <c:cat>
+            <c:strRef>
+              <c:f>Gauss!$C$1:$H$1</c:f>
+              <c:strCache>
+                <c:ptCount val="6"/>
+                <c:pt idx="0">
+                  <c:v>S(2)</c:v>
+                </c:pt>
+                <c:pt idx="1">
+                  <c:v>S(4)</c:v>
+                </c:pt>
+                <c:pt idx="2">
+                  <c:v>S(6)</c:v>
+                </c:pt>
+                <c:pt idx="3">
+                  <c:v>S(8)</c:v>
+                </c:pt>
+                <c:pt idx="4">
+                  <c:v>S(10)</c:v>
+                </c:pt>
+                <c:pt idx="5">
+                  <c:v>S(12)</c:v>
+                </c:pt>
+              </c:strCache>
+            </c:strRef>
+          </c:cat>
+          <c:val>
+            <c:numRef>
+              <c:f>Gauss!$C$12:$H$12</c:f>
+              <c:numCache>
+                <c:formatCode>General</c:formatCode>
+                <c:ptCount val="6"/>
+                <c:pt idx="0">
+                  <c:v>1.9992370323513</c:v>
+                </c:pt>
+                <c:pt idx="1">
+                  <c:v>3.5032622502737518</c:v>
+                </c:pt>
+                <c:pt idx="2">
+                  <c:v>4.7407715819976213</c:v>
+                </c:pt>
+                <c:pt idx="3">
+                  <c:v>4.676747228094202</c:v>
+                </c:pt>
+                <c:pt idx="4">
+                  <c:v>4.6802480377642688</c:v>
+                </c:pt>
+                <c:pt idx="5">
+                  <c:v>4.811177961779677</c:v>
+                </c:pt>
+              </c:numCache>
+            </c:numRef>
+          </c:val>
+          <c:smooth val="0"/>
+        </c:ser>
+        <c:ser>
+          <c:idx val="11"/>
+          <c:order val="11"/>
+          <c:tx>
+            <c:strRef>
+              <c:f>Gauss!$A$13</c:f>
+              <c:strCache>
+                <c:ptCount val="1"/>
+                <c:pt idx="0">
+                  <c:v>5500x5500</c:v>
+                </c:pt>
+              </c:strCache>
+            </c:strRef>
+          </c:tx>
+          <c:spPr>
+            <a:ln w="28575" cap="rnd">
+              <a:solidFill>
+                <a:schemeClr val="accent6">
+                  <a:lumMod val="60000"/>
+                </a:schemeClr>
+              </a:solidFill>
+              <a:round/>
+            </a:ln>
+            <a:effectLst/>
+          </c:spPr>
+          <c:marker>
+            <c:symbol val="none"/>
+          </c:marker>
+          <c:cat>
+            <c:strRef>
+              <c:f>Gauss!$C$1:$H$1</c:f>
+              <c:strCache>
+                <c:ptCount val="6"/>
+                <c:pt idx="0">
+                  <c:v>S(2)</c:v>
+                </c:pt>
+                <c:pt idx="1">
+                  <c:v>S(4)</c:v>
+                </c:pt>
+                <c:pt idx="2">
+                  <c:v>S(6)</c:v>
+                </c:pt>
+                <c:pt idx="3">
+                  <c:v>S(8)</c:v>
+                </c:pt>
+                <c:pt idx="4">
+                  <c:v>S(10)</c:v>
+                </c:pt>
+                <c:pt idx="5">
+                  <c:v>S(12)</c:v>
+                </c:pt>
+              </c:strCache>
+            </c:strRef>
+          </c:cat>
+          <c:val>
+            <c:numRef>
+              <c:f>Gauss!$C$13:$H$13</c:f>
+              <c:numCache>
+                <c:formatCode>General</c:formatCode>
+                <c:ptCount val="6"/>
+                <c:pt idx="0">
+                  <c:v>1.9596719527309514</c:v>
+                </c:pt>
+                <c:pt idx="1">
+                  <c:v>3.540052664305001</c:v>
+                </c:pt>
+                <c:pt idx="2">
+                  <c:v>4.7249581510701226</c:v>
+                </c:pt>
+                <c:pt idx="3">
+                  <c:v>4.5928447801686518</c:v>
+                </c:pt>
+                <c:pt idx="4">
+                  <c:v>4.6177571146826812</c:v>
+                </c:pt>
+                <c:pt idx="5">
+                  <c:v>4.7909239527372289</c:v>
+                </c:pt>
+              </c:numCache>
+            </c:numRef>
+          </c:val>
+          <c:smooth val="0"/>
+        </c:ser>
+        <c:ser>
+          <c:idx val="12"/>
+          <c:order val="12"/>
+          <c:tx>
+            <c:strRef>
+              <c:f>Gauss!$A$14</c:f>
+              <c:strCache>
+                <c:ptCount val="1"/>
+                <c:pt idx="0">
+                  <c:v>6000x6000</c:v>
+                </c:pt>
+              </c:strCache>
+            </c:strRef>
+          </c:tx>
+          <c:spPr>
+            <a:ln w="28575" cap="rnd">
+              <a:solidFill>
+                <a:schemeClr val="accent1">
+                  <a:lumMod val="80000"/>
+                  <a:lumOff val="20000"/>
+                </a:schemeClr>
+              </a:solidFill>
+              <a:round/>
+            </a:ln>
+            <a:effectLst/>
+          </c:spPr>
+          <c:marker>
+            <c:symbol val="none"/>
+          </c:marker>
+          <c:cat>
+            <c:strRef>
+              <c:f>Gauss!$C$1:$H$1</c:f>
+              <c:strCache>
+                <c:ptCount val="6"/>
+                <c:pt idx="0">
+                  <c:v>S(2)</c:v>
+                </c:pt>
+                <c:pt idx="1">
+                  <c:v>S(4)</c:v>
+                </c:pt>
+                <c:pt idx="2">
+                  <c:v>S(6)</c:v>
+                </c:pt>
+                <c:pt idx="3">
+                  <c:v>S(8)</c:v>
+                </c:pt>
+                <c:pt idx="4">
+                  <c:v>S(10)</c:v>
+                </c:pt>
+                <c:pt idx="5">
+                  <c:v>S(12)</c:v>
+                </c:pt>
+              </c:strCache>
+            </c:strRef>
+          </c:cat>
+          <c:val>
+            <c:numRef>
+              <c:f>Gauss!$C$14:$H$14</c:f>
+              <c:numCache>
+                <c:formatCode>General</c:formatCode>
+                <c:ptCount val="6"/>
+                <c:pt idx="0">
+                  <c:v>1.941301200078968</c:v>
+                </c:pt>
+                <c:pt idx="1">
+                  <c:v>3.4210958649863961</c:v>
+                </c:pt>
+                <c:pt idx="2">
+                  <c:v>4.6397857978060832</c:v>
+                </c:pt>
+                <c:pt idx="3">
+                  <c:v>4.4764757387352541</c:v>
+                </c:pt>
+                <c:pt idx="4">
+                  <c:v>4.4912688688567135</c:v>
+                </c:pt>
+                <c:pt idx="5">
+                  <c:v>4.5713301141843354</c:v>
+                </c:pt>
+              </c:numCache>
+            </c:numRef>
+          </c:val>
+          <c:smooth val="0"/>
+        </c:ser>
+        <c:ser>
+          <c:idx val="13"/>
+          <c:order val="13"/>
+          <c:tx>
+            <c:strRef>
+              <c:f>Gauss!$A$15</c:f>
+              <c:strCache>
+                <c:ptCount val="1"/>
+                <c:pt idx="0">
+                  <c:v>6500x6500</c:v>
+                </c:pt>
+              </c:strCache>
+            </c:strRef>
+          </c:tx>
+          <c:spPr>
+            <a:ln w="28575" cap="rnd">
+              <a:solidFill>
+                <a:schemeClr val="accent2">
+                  <a:lumMod val="80000"/>
+                  <a:lumOff val="20000"/>
+                </a:schemeClr>
+              </a:solidFill>
+              <a:round/>
+            </a:ln>
+            <a:effectLst/>
+          </c:spPr>
+          <c:marker>
+            <c:symbol val="none"/>
+          </c:marker>
+          <c:cat>
+            <c:strRef>
+              <c:f>Gauss!$C$1:$H$1</c:f>
+              <c:strCache>
+                <c:ptCount val="6"/>
+                <c:pt idx="0">
+                  <c:v>S(2)</c:v>
+                </c:pt>
+                <c:pt idx="1">
+                  <c:v>S(4)</c:v>
+                </c:pt>
+                <c:pt idx="2">
+                  <c:v>S(6)</c:v>
+                </c:pt>
+                <c:pt idx="3">
+                  <c:v>S(8)</c:v>
+                </c:pt>
+                <c:pt idx="4">
+                  <c:v>S(10)</c:v>
+                </c:pt>
+                <c:pt idx="5">
+                  <c:v>S(12)</c:v>
+                </c:pt>
+              </c:strCache>
+            </c:strRef>
+          </c:cat>
+          <c:val>
+            <c:numRef>
+              <c:f>Gauss!$C$15:$H$15</c:f>
+              <c:numCache>
+                <c:formatCode>General</c:formatCode>
+                <c:ptCount val="6"/>
+                <c:pt idx="0">
+                  <c:v>1.962494849284921</c:v>
+                </c:pt>
+                <c:pt idx="1">
+                  <c:v>3.5193188447018184</c:v>
+                </c:pt>
+                <c:pt idx="2">
+                  <c:v>4.7489171282753304</c:v>
+                </c:pt>
+                <c:pt idx="3">
+                  <c:v>4.5303815750474898</c:v>
+                </c:pt>
+                <c:pt idx="4">
+                  <c:v>4.599402648725321</c:v>
+                </c:pt>
+                <c:pt idx="5">
+                  <c:v>4.7805316051655327</c:v>
+                </c:pt>
+              </c:numCache>
+            </c:numRef>
+          </c:val>
+          <c:smooth val="0"/>
         </c:ser>
         <c:dLbls>
           <c:showLegendKey val="0"/>
@@ -1658,11 +2036,11 @@
           <c:showBubbleSize val="0"/>
         </c:dLbls>
         <c:smooth val="0"/>
-        <c:axId val="855570048"/>
-        <c:axId val="855562976"/>
+        <c:axId val="369358848"/>
+        <c:axId val="369363744"/>
       </c:lineChart>
       <c:catAx>
-        <c:axId val="855570048"/>
+        <c:axId val="369358848"/>
         <c:scaling>
           <c:orientation val="minMax"/>
         </c:scaling>
@@ -1719,7 +2097,7 @@
             <a:endParaRPr lang="ru-RU"/>
           </a:p>
         </c:txPr>
-        <c:crossAx val="855562976"/>
+        <c:crossAx val="369363744"/>
         <c:crosses val="autoZero"/>
         <c:auto val="1"/>
         <c:lblAlgn val="ctr"/>
@@ -1727,7 +2105,7 @@
         <c:noMultiLvlLbl val="0"/>
       </c:catAx>
       <c:valAx>
-        <c:axId val="855562976"/>
+        <c:axId val="369363744"/>
         <c:scaling>
           <c:orientation val="minMax"/>
           <c:min val="1"/>
@@ -1779,7 +2157,7 @@
             <a:endParaRPr lang="ru-RU"/>
           </a:p>
         </c:txPr>
-        <c:crossAx val="855570048"/>
+        <c:crossAx val="369358848"/>
         <c:crosses val="autoZero"/>
         <c:crossBetween val="midCat"/>
         <c:majorUnit val="0.5"/>
@@ -1852,7 +2230,7 @@
 </file>
 
 <file path=ppt/charts/chart3.xml><?xml version="1.0" encoding="utf-8"?>
-<c:chartSpace xmlns:c="http://schemas.openxmlformats.org/drawingml/2006/chart" xmlns:a="http://schemas.openxmlformats.org/drawingml/2006/main" xmlns:r="http://schemas.openxmlformats.org/officeDocument/2006/relationships" xmlns:c16r2="http://schemas.microsoft.com/office/drawing/2015/06/chart">
+<c:chartSpace xmlns:c="http://schemas.openxmlformats.org/drawingml/2006/chart" xmlns:a="http://schemas.openxmlformats.org/drawingml/2006/main" xmlns:r="http://schemas.openxmlformats.org/officeDocument/2006/relationships">
   <c:date1904 val="0"/>
   <c:lang val="ru-RU"/>
   <c:roundedCorners val="0"/>
@@ -1969,11 +2347,11 @@
           <c:order val="0"/>
           <c:tx>
             <c:strRef>
-              <c:f>CG!$C$1</c:f>
+              <c:f>CG!$A$2</c:f>
               <c:strCache>
                 <c:ptCount val="1"/>
                 <c:pt idx="0">
-                  <c:v>S(2)</c:v>
+                  <c:v>100x100</c:v>
                 </c:pt>
               </c:strCache>
             </c:strRef>
@@ -1992,109 +2370,61 @@
           </c:marker>
           <c:cat>
             <c:strRef>
-              <c:f>CG!$A$2:$A$15</c:f>
+              <c:f>CG!$C$1:$H$1</c:f>
               <c:strCache>
-                <c:ptCount val="14"/>
+                <c:ptCount val="6"/>
                 <c:pt idx="0">
-                  <c:v>100x100</c:v>
+                  <c:v>S(2)</c:v>
                 </c:pt>
                 <c:pt idx="1">
-                  <c:v>500x500</c:v>
+                  <c:v>S(4)</c:v>
                 </c:pt>
                 <c:pt idx="2">
-                  <c:v>1000x1000</c:v>
+                  <c:v>S(6)</c:v>
                 </c:pt>
                 <c:pt idx="3">
-                  <c:v>1500x1500</c:v>
+                  <c:v>S(8)</c:v>
                 </c:pt>
                 <c:pt idx="4">
-                  <c:v>2000x2000</c:v>
+                  <c:v>S(10)</c:v>
                 </c:pt>
                 <c:pt idx="5">
-                  <c:v>2500x2500</c:v>
-                </c:pt>
-                <c:pt idx="6">
-                  <c:v>3000x3000</c:v>
-                </c:pt>
-                <c:pt idx="7">
-                  <c:v>3500x3500</c:v>
-                </c:pt>
-                <c:pt idx="8">
-                  <c:v>4000x4000</c:v>
-                </c:pt>
-                <c:pt idx="9">
-                  <c:v>4500x4500</c:v>
-                </c:pt>
-                <c:pt idx="10">
-                  <c:v>5000x5000</c:v>
-                </c:pt>
-                <c:pt idx="11">
-                  <c:v>5500x5500</c:v>
-                </c:pt>
-                <c:pt idx="12">
-                  <c:v>6000x6000</c:v>
-                </c:pt>
-                <c:pt idx="13">
-                  <c:v>6500x6500</c:v>
+                  <c:v>S(12)</c:v>
                 </c:pt>
               </c:strCache>
             </c:strRef>
           </c:cat>
           <c:val>
             <c:numRef>
-              <c:f>CG!$C$2:$C$15</c:f>
+              <c:f>CG!$C$2:$H$2</c:f>
               <c:numCache>
                 <c:formatCode>General</c:formatCode>
-                <c:ptCount val="14"/>
+                <c:ptCount val="6"/>
                 <c:pt idx="0">
                   <c:v>3.2946983546617914</c:v>
                 </c:pt>
                 <c:pt idx="1">
-                  <c:v>2.1772792673867234</c:v>
+                  <c:v>2.9651201052977951</c:v>
                 </c:pt>
                 <c:pt idx="2">
-                  <c:v>1.9465604833091386</c:v>
+                  <c:v>2.5804696449026348</c:v>
                 </c:pt>
                 <c:pt idx="3">
-                  <c:v>1.6767207653311746</c:v>
+                  <c:v>2.8909207571382738</c:v>
                 </c:pt>
                 <c:pt idx="4">
-                  <c:v>1.9165687137606144</c:v>
+                  <c:v>1.9887442065769145</c:v>
                 </c:pt>
                 <c:pt idx="5">
-                  <c:v>1.8690672432084035</c:v>
-                </c:pt>
-                <c:pt idx="6">
-                  <c:v>1.9411244200072286</c:v>
-                </c:pt>
-                <c:pt idx="7">
-                  <c:v>2.0144680765773293</c:v>
-                </c:pt>
-                <c:pt idx="8">
-                  <c:v>1.8792922948953237</c:v>
-                </c:pt>
-                <c:pt idx="9">
-                  <c:v>1.8514715718564996</c:v>
-                </c:pt>
-                <c:pt idx="10">
-                  <c:v>1.8912959707219106</c:v>
-                </c:pt>
-                <c:pt idx="11">
-                  <c:v>1.8600738088003435</c:v>
-                </c:pt>
-                <c:pt idx="12">
-                  <c:v>1.7539771143256453</c:v>
-                </c:pt>
-                <c:pt idx="13">
-                  <c:v>1.2394217061947619</c:v>
+                  <c:v>2.0926614026939157</c:v>
                 </c:pt>
               </c:numCache>
             </c:numRef>
           </c:val>
           <c:smooth val="0"/>
-          <c:extLst>
+          <c:extLst xmlns:c16r2="http://schemas.microsoft.com/office/drawing/2015/06/chart">
             <c:ext xmlns:c16="http://schemas.microsoft.com/office/drawing/2014/chart" uri="{C3380CC4-5D6E-409C-BE32-E72D297353CC}">
-              <c16:uniqueId val="{00000000-BD7C-45D4-82CE-ABDCF4E7BAA4}"/>
+              <c16:uniqueId val="{00000001-311F-4313-B886-110114FD9BCE}"/>
             </c:ext>
           </c:extLst>
         </c:ser>
@@ -2103,11 +2433,11 @@
           <c:order val="1"/>
           <c:tx>
             <c:strRef>
-              <c:f>CG!$D$1</c:f>
+              <c:f>CG!$A$3</c:f>
               <c:strCache>
                 <c:ptCount val="1"/>
                 <c:pt idx="0">
-                  <c:v>S(4)</c:v>
+                  <c:v>500x500</c:v>
                 </c:pt>
               </c:strCache>
             </c:strRef>
@@ -2126,109 +2456,61 @@
           </c:marker>
           <c:cat>
             <c:strRef>
-              <c:f>CG!$A$2:$A$15</c:f>
+              <c:f>CG!$C$1:$H$1</c:f>
               <c:strCache>
-                <c:ptCount val="14"/>
+                <c:ptCount val="6"/>
                 <c:pt idx="0">
-                  <c:v>100x100</c:v>
+                  <c:v>S(2)</c:v>
                 </c:pt>
                 <c:pt idx="1">
-                  <c:v>500x500</c:v>
+                  <c:v>S(4)</c:v>
                 </c:pt>
                 <c:pt idx="2">
-                  <c:v>1000x1000</c:v>
+                  <c:v>S(6)</c:v>
                 </c:pt>
                 <c:pt idx="3">
-                  <c:v>1500x1500</c:v>
+                  <c:v>S(8)</c:v>
                 </c:pt>
                 <c:pt idx="4">
-                  <c:v>2000x2000</c:v>
+                  <c:v>S(10)</c:v>
                 </c:pt>
                 <c:pt idx="5">
-                  <c:v>2500x2500</c:v>
-                </c:pt>
-                <c:pt idx="6">
-                  <c:v>3000x3000</c:v>
-                </c:pt>
-                <c:pt idx="7">
-                  <c:v>3500x3500</c:v>
-                </c:pt>
-                <c:pt idx="8">
-                  <c:v>4000x4000</c:v>
-                </c:pt>
-                <c:pt idx="9">
-                  <c:v>4500x4500</c:v>
-                </c:pt>
-                <c:pt idx="10">
-                  <c:v>5000x5000</c:v>
-                </c:pt>
-                <c:pt idx="11">
-                  <c:v>5500x5500</c:v>
-                </c:pt>
-                <c:pt idx="12">
-                  <c:v>6000x6000</c:v>
-                </c:pt>
-                <c:pt idx="13">
-                  <c:v>6500x6500</c:v>
+                  <c:v>S(12)</c:v>
                 </c:pt>
               </c:strCache>
             </c:strRef>
           </c:cat>
           <c:val>
             <c:numRef>
-              <c:f>CG!$D$2:$D$15</c:f>
+              <c:f>CG!$C$3:$H$3</c:f>
               <c:numCache>
                 <c:formatCode>General</c:formatCode>
-                <c:ptCount val="14"/>
+                <c:ptCount val="6"/>
                 <c:pt idx="0">
-                  <c:v>2.9651201052977951</c:v>
+                  <c:v>2.1772792673867234</c:v>
                 </c:pt>
                 <c:pt idx="1">
                   <c:v>3.7718098008353147</c:v>
                 </c:pt>
                 <c:pt idx="2">
-                  <c:v>3.4686349271358825</c:v>
+                  <c:v>3.1755036773886913</c:v>
                 </c:pt>
                 <c:pt idx="3">
-                  <c:v>3.2415837824034361</c:v>
+                  <c:v>3.9660688683753804</c:v>
                 </c:pt>
                 <c:pt idx="4">
-                  <c:v>3.1898360644706485</c:v>
+                  <c:v>4.874398733785906</c:v>
                 </c:pt>
                 <c:pt idx="5">
-                  <c:v>3.1624352423500968</c:v>
-                </c:pt>
-                <c:pt idx="6">
-                  <c:v>3.2266302409578032</c:v>
-                </c:pt>
-                <c:pt idx="7">
-                  <c:v>2.6019563158710679</c:v>
-                </c:pt>
-                <c:pt idx="8">
-                  <c:v>3.4006360819066481</c:v>
-                </c:pt>
-                <c:pt idx="9">
-                  <c:v>3.4678566546095575</c:v>
-                </c:pt>
-                <c:pt idx="10">
-                  <c:v>3.1219146984170996</c:v>
-                </c:pt>
-                <c:pt idx="11">
-                  <c:v>3.0166627003557585</c:v>
-                </c:pt>
-                <c:pt idx="12">
-                  <c:v>1.8155979209781281</c:v>
-                </c:pt>
-                <c:pt idx="13">
-                  <c:v>3.178372640758214</c:v>
+                  <c:v>4.1673670467219575</c:v>
                 </c:pt>
               </c:numCache>
             </c:numRef>
           </c:val>
           <c:smooth val="0"/>
-          <c:extLst>
+          <c:extLst xmlns:c16r2="http://schemas.microsoft.com/office/drawing/2015/06/chart">
             <c:ext xmlns:c16="http://schemas.microsoft.com/office/drawing/2014/chart" uri="{C3380CC4-5D6E-409C-BE32-E72D297353CC}">
-              <c16:uniqueId val="{00000001-BD7C-45D4-82CE-ABDCF4E7BAA4}"/>
+              <c16:uniqueId val="{00000002-311F-4313-B886-110114FD9BCE}"/>
             </c:ext>
           </c:extLst>
         </c:ser>
@@ -2237,11 +2519,11 @@
           <c:order val="2"/>
           <c:tx>
             <c:strRef>
-              <c:f>CG!$E$1</c:f>
+              <c:f>CG!$A$4</c:f>
               <c:strCache>
                 <c:ptCount val="1"/>
                 <c:pt idx="0">
-                  <c:v>S(6)</c:v>
+                  <c:v>1000x1000</c:v>
                 </c:pt>
               </c:strCache>
             </c:strRef>
@@ -2260,109 +2542,61 @@
           </c:marker>
           <c:cat>
             <c:strRef>
-              <c:f>CG!$A$2:$A$15</c:f>
+              <c:f>CG!$C$1:$H$1</c:f>
               <c:strCache>
-                <c:ptCount val="14"/>
+                <c:ptCount val="6"/>
                 <c:pt idx="0">
-                  <c:v>100x100</c:v>
+                  <c:v>S(2)</c:v>
                 </c:pt>
                 <c:pt idx="1">
-                  <c:v>500x500</c:v>
+                  <c:v>S(4)</c:v>
                 </c:pt>
                 <c:pt idx="2">
-                  <c:v>1000x1000</c:v>
+                  <c:v>S(6)</c:v>
                 </c:pt>
                 <c:pt idx="3">
-                  <c:v>1500x1500</c:v>
+                  <c:v>S(8)</c:v>
                 </c:pt>
                 <c:pt idx="4">
-                  <c:v>2000x2000</c:v>
+                  <c:v>S(10)</c:v>
                 </c:pt>
                 <c:pt idx="5">
-                  <c:v>2500x2500</c:v>
-                </c:pt>
-                <c:pt idx="6">
-                  <c:v>3000x3000</c:v>
-                </c:pt>
-                <c:pt idx="7">
-                  <c:v>3500x3500</c:v>
-                </c:pt>
-                <c:pt idx="8">
-                  <c:v>4000x4000</c:v>
-                </c:pt>
-                <c:pt idx="9">
-                  <c:v>4500x4500</c:v>
-                </c:pt>
-                <c:pt idx="10">
-                  <c:v>5000x5000</c:v>
-                </c:pt>
-                <c:pt idx="11">
-                  <c:v>5500x5500</c:v>
-                </c:pt>
-                <c:pt idx="12">
-                  <c:v>6000x6000</c:v>
-                </c:pt>
-                <c:pt idx="13">
-                  <c:v>6500x6500</c:v>
+                  <c:v>S(12)</c:v>
                 </c:pt>
               </c:strCache>
             </c:strRef>
           </c:cat>
           <c:val>
             <c:numRef>
-              <c:f>CG!$E$2:$E$15</c:f>
+              <c:f>CG!$C$4:$H$4</c:f>
               <c:numCache>
                 <c:formatCode>General</c:formatCode>
-                <c:ptCount val="14"/>
+                <c:ptCount val="6"/>
                 <c:pt idx="0">
-                  <c:v>2.5804696449026348</c:v>
+                  <c:v>1.9465604833091386</c:v>
                 </c:pt>
                 <c:pt idx="1">
-                  <c:v>3.1755036773886913</c:v>
+                  <c:v>3.4686349271358825</c:v>
                 </c:pt>
                 <c:pt idx="2">
                   <c:v>4.3118849002089927</c:v>
                 </c:pt>
                 <c:pt idx="3">
-                  <c:v>3.9011600041536916</c:v>
+                  <c:v>3.837276236411026</c:v>
                 </c:pt>
                 <c:pt idx="4">
-                  <c:v>3.8779458569630076</c:v>
+                  <c:v>4.6287469407491155</c:v>
                 </c:pt>
                 <c:pt idx="5">
-                  <c:v>3.6899734689152162</c:v>
-                </c:pt>
-                <c:pt idx="6">
-                  <c:v>3.4712342645078764</c:v>
-                </c:pt>
-                <c:pt idx="7">
-                  <c:v>4.8892530678395767</c:v>
-                </c:pt>
-                <c:pt idx="8">
-                  <c:v>4.4785860728661753</c:v>
-                </c:pt>
-                <c:pt idx="9">
-                  <c:v>4.4963052065269711</c:v>
-                </c:pt>
-                <c:pt idx="10">
-                  <c:v>4.5558488222373814</c:v>
-                </c:pt>
-                <c:pt idx="11">
-                  <c:v>4.5387345257264631</c:v>
-                </c:pt>
-                <c:pt idx="12">
-                  <c:v>4.6022795308138118</c:v>
-                </c:pt>
-                <c:pt idx="13">
-                  <c:v>4.3470929870754631</c:v>
+                  <c:v>3.9623827168125394</c:v>
                 </c:pt>
               </c:numCache>
             </c:numRef>
           </c:val>
           <c:smooth val="0"/>
-          <c:extLst>
+          <c:extLst xmlns:c16r2="http://schemas.microsoft.com/office/drawing/2015/06/chart">
             <c:ext xmlns:c16="http://schemas.microsoft.com/office/drawing/2014/chart" uri="{C3380CC4-5D6E-409C-BE32-E72D297353CC}">
-              <c16:uniqueId val="{00000002-BD7C-45D4-82CE-ABDCF4E7BAA4}"/>
+              <c16:uniqueId val="{00000003-311F-4313-B886-110114FD9BCE}"/>
             </c:ext>
           </c:extLst>
         </c:ser>
@@ -2371,11 +2605,11 @@
           <c:order val="3"/>
           <c:tx>
             <c:strRef>
-              <c:f>CG!$F$1</c:f>
+              <c:f>CG!$A$5</c:f>
               <c:strCache>
                 <c:ptCount val="1"/>
                 <c:pt idx="0">
-                  <c:v>S(8)</c:v>
+                  <c:v>1500x1500</c:v>
                 </c:pt>
               </c:strCache>
             </c:strRef>
@@ -2394,109 +2628,61 @@
           </c:marker>
           <c:cat>
             <c:strRef>
-              <c:f>CG!$A$2:$A$15</c:f>
+              <c:f>CG!$C$1:$H$1</c:f>
               <c:strCache>
-                <c:ptCount val="14"/>
+                <c:ptCount val="6"/>
                 <c:pt idx="0">
-                  <c:v>100x100</c:v>
+                  <c:v>S(2)</c:v>
                 </c:pt>
                 <c:pt idx="1">
-                  <c:v>500x500</c:v>
+                  <c:v>S(4)</c:v>
                 </c:pt>
                 <c:pt idx="2">
-                  <c:v>1000x1000</c:v>
+                  <c:v>S(6)</c:v>
                 </c:pt>
                 <c:pt idx="3">
-                  <c:v>1500x1500</c:v>
+                  <c:v>S(8)</c:v>
                 </c:pt>
                 <c:pt idx="4">
-                  <c:v>2000x2000</c:v>
+                  <c:v>S(10)</c:v>
                 </c:pt>
                 <c:pt idx="5">
-                  <c:v>2500x2500</c:v>
-                </c:pt>
-                <c:pt idx="6">
-                  <c:v>3000x3000</c:v>
-                </c:pt>
-                <c:pt idx="7">
-                  <c:v>3500x3500</c:v>
-                </c:pt>
-                <c:pt idx="8">
-                  <c:v>4000x4000</c:v>
-                </c:pt>
-                <c:pt idx="9">
-                  <c:v>4500x4500</c:v>
-                </c:pt>
-                <c:pt idx="10">
-                  <c:v>5000x5000</c:v>
-                </c:pt>
-                <c:pt idx="11">
-                  <c:v>5500x5500</c:v>
-                </c:pt>
-                <c:pt idx="12">
-                  <c:v>6000x6000</c:v>
-                </c:pt>
-                <c:pt idx="13">
-                  <c:v>6500x6500</c:v>
+                  <c:v>S(12)</c:v>
                 </c:pt>
               </c:strCache>
             </c:strRef>
           </c:cat>
           <c:val>
             <c:numRef>
-              <c:f>CG!$F$2:$F$15</c:f>
+              <c:f>CG!$C$5:$H$5</c:f>
               <c:numCache>
                 <c:formatCode>General</c:formatCode>
-                <c:ptCount val="14"/>
+                <c:ptCount val="6"/>
                 <c:pt idx="0">
-                  <c:v>2.8909207571382738</c:v>
+                  <c:v>1.6767207653311746</c:v>
                 </c:pt>
                 <c:pt idx="1">
-                  <c:v>3.9660688683753804</c:v>
+                  <c:v>3.2415837824034361</c:v>
                 </c:pt>
                 <c:pt idx="2">
-                  <c:v>3.837276236411026</c:v>
+                  <c:v>3.9011600041536916</c:v>
                 </c:pt>
                 <c:pt idx="3">
                   <c:v>3.3586200377473352</c:v>
                 </c:pt>
                 <c:pt idx="4">
-                  <c:v>3.5177926196691103</c:v>
+                  <c:v>4.3040844360209354</c:v>
                 </c:pt>
                 <c:pt idx="5">
-                  <c:v>3.3680610646098499</c:v>
-                </c:pt>
-                <c:pt idx="6">
-                  <c:v>3.5026085610769755</c:v>
-                </c:pt>
-                <c:pt idx="7">
-                  <c:v>3.8053763711855044</c:v>
-                </c:pt>
-                <c:pt idx="8">
-                  <c:v>3.5748460803998983</c:v>
-                </c:pt>
-                <c:pt idx="9">
-                  <c:v>3.4593504901217864</c:v>
-                </c:pt>
-                <c:pt idx="10">
-                  <c:v>3.4594729796124151</c:v>
-                </c:pt>
-                <c:pt idx="11">
-                  <c:v>3.5019025586679255</c:v>
-                </c:pt>
-                <c:pt idx="12">
-                  <c:v>3.4272686495078339</c:v>
-                </c:pt>
-                <c:pt idx="13">
-                  <c:v>3.6042832555021844</c:v>
+                  <c:v>3.1488813702488287</c:v>
                 </c:pt>
               </c:numCache>
             </c:numRef>
           </c:val>
           <c:smooth val="0"/>
-          <c:extLst>
+          <c:extLst xmlns:c16r2="http://schemas.microsoft.com/office/drawing/2015/06/chart">
             <c:ext xmlns:c16="http://schemas.microsoft.com/office/drawing/2014/chart" uri="{C3380CC4-5D6E-409C-BE32-E72D297353CC}">
-              <c16:uniqueId val="{00000003-BD7C-45D4-82CE-ABDCF4E7BAA4}"/>
+              <c16:uniqueId val="{00000004-311F-4313-B886-110114FD9BCE}"/>
             </c:ext>
           </c:extLst>
         </c:ser>
@@ -2505,11 +2691,11 @@
           <c:order val="4"/>
           <c:tx>
             <c:strRef>
-              <c:f>CG!$G$1</c:f>
+              <c:f>CG!$A$6</c:f>
               <c:strCache>
                 <c:ptCount val="1"/>
                 <c:pt idx="0">
-                  <c:v>S(10)</c:v>
+                  <c:v>2000x2000</c:v>
                 </c:pt>
               </c:strCache>
             </c:strRef>
@@ -2528,109 +2714,61 @@
           </c:marker>
           <c:cat>
             <c:strRef>
-              <c:f>CG!$A$2:$A$15</c:f>
+              <c:f>CG!$C$1:$H$1</c:f>
               <c:strCache>
-                <c:ptCount val="14"/>
+                <c:ptCount val="6"/>
                 <c:pt idx="0">
-                  <c:v>100x100</c:v>
+                  <c:v>S(2)</c:v>
                 </c:pt>
                 <c:pt idx="1">
-                  <c:v>500x500</c:v>
+                  <c:v>S(4)</c:v>
                 </c:pt>
                 <c:pt idx="2">
-                  <c:v>1000x1000</c:v>
+                  <c:v>S(6)</c:v>
                 </c:pt>
                 <c:pt idx="3">
-                  <c:v>1500x1500</c:v>
+                  <c:v>S(8)</c:v>
                 </c:pt>
                 <c:pt idx="4">
-                  <c:v>2000x2000</c:v>
+                  <c:v>S(10)</c:v>
                 </c:pt>
                 <c:pt idx="5">
-                  <c:v>2500x2500</c:v>
-                </c:pt>
-                <c:pt idx="6">
-                  <c:v>3000x3000</c:v>
-                </c:pt>
-                <c:pt idx="7">
-                  <c:v>3500x3500</c:v>
-                </c:pt>
-                <c:pt idx="8">
-                  <c:v>4000x4000</c:v>
-                </c:pt>
-                <c:pt idx="9">
-                  <c:v>4500x4500</c:v>
-                </c:pt>
-                <c:pt idx="10">
-                  <c:v>5000x5000</c:v>
-                </c:pt>
-                <c:pt idx="11">
-                  <c:v>5500x5500</c:v>
-                </c:pt>
-                <c:pt idx="12">
-                  <c:v>6000x6000</c:v>
-                </c:pt>
-                <c:pt idx="13">
-                  <c:v>6500x6500</c:v>
+                  <c:v>S(12)</c:v>
                 </c:pt>
               </c:strCache>
             </c:strRef>
           </c:cat>
           <c:val>
             <c:numRef>
-              <c:f>CG!$G$2:$G$15</c:f>
+              <c:f>CG!$C$6:$H$6</c:f>
               <c:numCache>
                 <c:formatCode>General</c:formatCode>
-                <c:ptCount val="14"/>
+                <c:ptCount val="6"/>
                 <c:pt idx="0">
-                  <c:v>1.9887442065769145</c:v>
+                  <c:v>1.9165687137606144</c:v>
                 </c:pt>
                 <c:pt idx="1">
-                  <c:v>4.874398733785906</c:v>
+                  <c:v>3.1898360644706485</c:v>
                 </c:pt>
                 <c:pt idx="2">
-                  <c:v>4.6287469407491155</c:v>
+                  <c:v>3.8779458569630076</c:v>
                 </c:pt>
                 <c:pt idx="3">
-                  <c:v>4.3040844360209354</c:v>
+                  <c:v>3.5177926196691103</c:v>
                 </c:pt>
                 <c:pt idx="4">
                   <c:v>4.2751543521651811</c:v>
                 </c:pt>
                 <c:pt idx="5">
-                  <c:v>4.1210980022853496</c:v>
-                </c:pt>
-                <c:pt idx="6">
-                  <c:v>4.1348294331313769</c:v>
-                </c:pt>
-                <c:pt idx="7">
-                  <c:v>4.5209421030900581</c:v>
-                </c:pt>
-                <c:pt idx="8">
-                  <c:v>4.1672188572135225</c:v>
-                </c:pt>
-                <c:pt idx="9">
-                  <c:v>4.2896946945036669</c:v>
-                </c:pt>
-                <c:pt idx="10">
-                  <c:v>4.1794825739875119</c:v>
-                </c:pt>
-                <c:pt idx="11">
-                  <c:v>4.1581009633304271</c:v>
-                </c:pt>
-                <c:pt idx="12">
-                  <c:v>4.3388170861920354</c:v>
-                </c:pt>
-                <c:pt idx="13">
-                  <c:v>4.3403235051790627</c:v>
+                  <c:v>3.4980494035768213</c:v>
                 </c:pt>
               </c:numCache>
             </c:numRef>
           </c:val>
           <c:smooth val="0"/>
-          <c:extLst>
+          <c:extLst xmlns:c16r2="http://schemas.microsoft.com/office/drawing/2015/06/chart">
             <c:ext xmlns:c16="http://schemas.microsoft.com/office/drawing/2014/chart" uri="{C3380CC4-5D6E-409C-BE32-E72D297353CC}">
-              <c16:uniqueId val="{00000004-BD7C-45D4-82CE-ABDCF4E7BAA4}"/>
+              <c16:uniqueId val="{00000000-B087-44CE-968A-F61682286D85}"/>
             </c:ext>
           </c:extLst>
         </c:ser>
@@ -2639,11 +2777,11 @@
           <c:order val="5"/>
           <c:tx>
             <c:strRef>
-              <c:f>CG!$H$1</c:f>
+              <c:f>CG!$A$7</c:f>
               <c:strCache>
                 <c:ptCount val="1"/>
                 <c:pt idx="0">
-                  <c:v>S(12)</c:v>
+                  <c:v>2500x2500</c:v>
                 </c:pt>
               </c:strCache>
             </c:strRef>
@@ -2662,111 +2800,729 @@
           </c:marker>
           <c:cat>
             <c:strRef>
-              <c:f>CG!$A$2:$A$15</c:f>
+              <c:f>CG!$C$1:$H$1</c:f>
               <c:strCache>
-                <c:ptCount val="14"/>
+                <c:ptCount val="6"/>
                 <c:pt idx="0">
-                  <c:v>100x100</c:v>
+                  <c:v>S(2)</c:v>
                 </c:pt>
                 <c:pt idx="1">
-                  <c:v>500x500</c:v>
+                  <c:v>S(4)</c:v>
                 </c:pt>
                 <c:pt idx="2">
-                  <c:v>1000x1000</c:v>
+                  <c:v>S(6)</c:v>
                 </c:pt>
                 <c:pt idx="3">
-                  <c:v>1500x1500</c:v>
+                  <c:v>S(8)</c:v>
                 </c:pt>
                 <c:pt idx="4">
-                  <c:v>2000x2000</c:v>
+                  <c:v>S(10)</c:v>
                 </c:pt>
                 <c:pt idx="5">
-                  <c:v>2500x2500</c:v>
-                </c:pt>
-                <c:pt idx="6">
-                  <c:v>3000x3000</c:v>
-                </c:pt>
-                <c:pt idx="7">
-                  <c:v>3500x3500</c:v>
-                </c:pt>
-                <c:pt idx="8">
-                  <c:v>4000x4000</c:v>
-                </c:pt>
-                <c:pt idx="9">
-                  <c:v>4500x4500</c:v>
-                </c:pt>
-                <c:pt idx="10">
-                  <c:v>5000x5000</c:v>
-                </c:pt>
-                <c:pt idx="11">
-                  <c:v>5500x5500</c:v>
-                </c:pt>
-                <c:pt idx="12">
-                  <c:v>6000x6000</c:v>
-                </c:pt>
-                <c:pt idx="13">
-                  <c:v>6500x6500</c:v>
+                  <c:v>S(12)</c:v>
                 </c:pt>
               </c:strCache>
             </c:strRef>
           </c:cat>
           <c:val>
             <c:numRef>
-              <c:f>CG!$H$2:$H$15</c:f>
+              <c:f>CG!$C$7:$H$7</c:f>
               <c:numCache>
                 <c:formatCode>General</c:formatCode>
-                <c:ptCount val="14"/>
+                <c:ptCount val="6"/>
                 <c:pt idx="0">
-                  <c:v>2.0926614026939157</c:v>
+                  <c:v>1.8690672432084035</c:v>
                 </c:pt>
                 <c:pt idx="1">
-                  <c:v>4.1673670467219575</c:v>
+                  <c:v>3.1624352423500968</c:v>
                 </c:pt>
                 <c:pt idx="2">
-                  <c:v>3.9623827168125394</c:v>
+                  <c:v>3.6899734689152162</c:v>
                 </c:pt>
                 <c:pt idx="3">
-                  <c:v>3.1488813702488287</c:v>
+                  <c:v>3.3680610646098499</c:v>
                 </c:pt>
                 <c:pt idx="4">
-                  <c:v>3.4980494035768213</c:v>
+                  <c:v>4.1210980022853496</c:v>
                 </c:pt>
                 <c:pt idx="5">
                   <c:v>3.094941762725393</c:v>
-                </c:pt>
-                <c:pt idx="6">
-                  <c:v>3.2334067179567589</c:v>
-                </c:pt>
-                <c:pt idx="7">
-                  <c:v>5.3608694106120653</c:v>
-                </c:pt>
-                <c:pt idx="8">
-                  <c:v>4.8124397567688204</c:v>
-                </c:pt>
-                <c:pt idx="9">
-                  <c:v>4.7764314253967086</c:v>
-                </c:pt>
-                <c:pt idx="10">
-                  <c:v>4.981554902191224</c:v>
-                </c:pt>
-                <c:pt idx="11">
-                  <c:v>4.9326371501323818</c:v>
-                </c:pt>
-                <c:pt idx="12">
-                  <c:v>4.9129762412273479</c:v>
-                </c:pt>
-                <c:pt idx="13">
-                  <c:v>4.6253344035495303</c:v>
                 </c:pt>
               </c:numCache>
             </c:numRef>
           </c:val>
           <c:smooth val="0"/>
-          <c:extLst>
+          <c:extLst xmlns:c16r2="http://schemas.microsoft.com/office/drawing/2015/06/chart">
             <c:ext xmlns:c16="http://schemas.microsoft.com/office/drawing/2014/chart" uri="{C3380CC4-5D6E-409C-BE32-E72D297353CC}">
-              <c16:uniqueId val="{00000005-BD7C-45D4-82CE-ABDCF4E7BAA4}"/>
+              <c16:uniqueId val="{00000001-B087-44CE-968A-F61682286D85}"/>
             </c:ext>
           </c:extLst>
+        </c:ser>
+        <c:ser>
+          <c:idx val="6"/>
+          <c:order val="6"/>
+          <c:tx>
+            <c:strRef>
+              <c:f>CG!$A$8</c:f>
+              <c:strCache>
+                <c:ptCount val="1"/>
+                <c:pt idx="0">
+                  <c:v>3000x3000</c:v>
+                </c:pt>
+              </c:strCache>
+            </c:strRef>
+          </c:tx>
+          <c:spPr>
+            <a:ln w="28575" cap="rnd">
+              <a:solidFill>
+                <a:schemeClr val="accent1">
+                  <a:lumMod val="60000"/>
+                </a:schemeClr>
+              </a:solidFill>
+              <a:round/>
+            </a:ln>
+            <a:effectLst/>
+          </c:spPr>
+          <c:marker>
+            <c:symbol val="none"/>
+          </c:marker>
+          <c:cat>
+            <c:strRef>
+              <c:f>CG!$C$1:$H$1</c:f>
+              <c:strCache>
+                <c:ptCount val="6"/>
+                <c:pt idx="0">
+                  <c:v>S(2)</c:v>
+                </c:pt>
+                <c:pt idx="1">
+                  <c:v>S(4)</c:v>
+                </c:pt>
+                <c:pt idx="2">
+                  <c:v>S(6)</c:v>
+                </c:pt>
+                <c:pt idx="3">
+                  <c:v>S(8)</c:v>
+                </c:pt>
+                <c:pt idx="4">
+                  <c:v>S(10)</c:v>
+                </c:pt>
+                <c:pt idx="5">
+                  <c:v>S(12)</c:v>
+                </c:pt>
+              </c:strCache>
+            </c:strRef>
+          </c:cat>
+          <c:val>
+            <c:numRef>
+              <c:f>CG!$C$8:$H$8</c:f>
+              <c:numCache>
+                <c:formatCode>General</c:formatCode>
+                <c:ptCount val="6"/>
+                <c:pt idx="0">
+                  <c:v>1.9411244200072286</c:v>
+                </c:pt>
+                <c:pt idx="1">
+                  <c:v>3.2266302409578032</c:v>
+                </c:pt>
+                <c:pt idx="2">
+                  <c:v>3.4712342645078764</c:v>
+                </c:pt>
+                <c:pt idx="3">
+                  <c:v>3.5026085610769755</c:v>
+                </c:pt>
+                <c:pt idx="4">
+                  <c:v>4.1348294331313769</c:v>
+                </c:pt>
+                <c:pt idx="5">
+                  <c:v>3.2334067179567589</c:v>
+                </c:pt>
+              </c:numCache>
+            </c:numRef>
+          </c:val>
+          <c:smooth val="0"/>
+        </c:ser>
+        <c:ser>
+          <c:idx val="7"/>
+          <c:order val="7"/>
+          <c:tx>
+            <c:strRef>
+              <c:f>CG!$A$9</c:f>
+              <c:strCache>
+                <c:ptCount val="1"/>
+                <c:pt idx="0">
+                  <c:v>3500x3500</c:v>
+                </c:pt>
+              </c:strCache>
+            </c:strRef>
+          </c:tx>
+          <c:spPr>
+            <a:ln w="28575" cap="rnd">
+              <a:solidFill>
+                <a:schemeClr val="accent2">
+                  <a:lumMod val="60000"/>
+                </a:schemeClr>
+              </a:solidFill>
+              <a:round/>
+            </a:ln>
+            <a:effectLst/>
+          </c:spPr>
+          <c:marker>
+            <c:symbol val="none"/>
+          </c:marker>
+          <c:cat>
+            <c:strRef>
+              <c:f>CG!$C$1:$H$1</c:f>
+              <c:strCache>
+                <c:ptCount val="6"/>
+                <c:pt idx="0">
+                  <c:v>S(2)</c:v>
+                </c:pt>
+                <c:pt idx="1">
+                  <c:v>S(4)</c:v>
+                </c:pt>
+                <c:pt idx="2">
+                  <c:v>S(6)</c:v>
+                </c:pt>
+                <c:pt idx="3">
+                  <c:v>S(8)</c:v>
+                </c:pt>
+                <c:pt idx="4">
+                  <c:v>S(10)</c:v>
+                </c:pt>
+                <c:pt idx="5">
+                  <c:v>S(12)</c:v>
+                </c:pt>
+              </c:strCache>
+            </c:strRef>
+          </c:cat>
+          <c:val>
+            <c:numRef>
+              <c:f>CG!$C$9:$H$9</c:f>
+              <c:numCache>
+                <c:formatCode>General</c:formatCode>
+                <c:ptCount val="6"/>
+                <c:pt idx="0">
+                  <c:v>2.0144680765773293</c:v>
+                </c:pt>
+                <c:pt idx="1">
+                  <c:v>2.6019563158710679</c:v>
+                </c:pt>
+                <c:pt idx="2">
+                  <c:v>4.8892530678395767</c:v>
+                </c:pt>
+                <c:pt idx="3">
+                  <c:v>3.8053763711855044</c:v>
+                </c:pt>
+                <c:pt idx="4">
+                  <c:v>4.5209421030900581</c:v>
+                </c:pt>
+                <c:pt idx="5">
+                  <c:v>5.3608694106120653</c:v>
+                </c:pt>
+              </c:numCache>
+            </c:numRef>
+          </c:val>
+          <c:smooth val="0"/>
+        </c:ser>
+        <c:ser>
+          <c:idx val="8"/>
+          <c:order val="8"/>
+          <c:tx>
+            <c:strRef>
+              <c:f>CG!$A$10</c:f>
+              <c:strCache>
+                <c:ptCount val="1"/>
+                <c:pt idx="0">
+                  <c:v>4000x4000</c:v>
+                </c:pt>
+              </c:strCache>
+            </c:strRef>
+          </c:tx>
+          <c:spPr>
+            <a:ln w="28575" cap="rnd">
+              <a:solidFill>
+                <a:schemeClr val="accent3">
+                  <a:lumMod val="60000"/>
+                </a:schemeClr>
+              </a:solidFill>
+              <a:round/>
+            </a:ln>
+            <a:effectLst/>
+          </c:spPr>
+          <c:marker>
+            <c:symbol val="none"/>
+          </c:marker>
+          <c:cat>
+            <c:strRef>
+              <c:f>CG!$C$1:$H$1</c:f>
+              <c:strCache>
+                <c:ptCount val="6"/>
+                <c:pt idx="0">
+                  <c:v>S(2)</c:v>
+                </c:pt>
+                <c:pt idx="1">
+                  <c:v>S(4)</c:v>
+                </c:pt>
+                <c:pt idx="2">
+                  <c:v>S(6)</c:v>
+                </c:pt>
+                <c:pt idx="3">
+                  <c:v>S(8)</c:v>
+                </c:pt>
+                <c:pt idx="4">
+                  <c:v>S(10)</c:v>
+                </c:pt>
+                <c:pt idx="5">
+                  <c:v>S(12)</c:v>
+                </c:pt>
+              </c:strCache>
+            </c:strRef>
+          </c:cat>
+          <c:val>
+            <c:numRef>
+              <c:f>CG!$C$10:$H$10</c:f>
+              <c:numCache>
+                <c:formatCode>General</c:formatCode>
+                <c:ptCount val="6"/>
+                <c:pt idx="0">
+                  <c:v>1.8792922948953237</c:v>
+                </c:pt>
+                <c:pt idx="1">
+                  <c:v>3.4006360819066481</c:v>
+                </c:pt>
+                <c:pt idx="2">
+                  <c:v>4.4785860728661753</c:v>
+                </c:pt>
+                <c:pt idx="3">
+                  <c:v>3.5748460803998983</c:v>
+                </c:pt>
+                <c:pt idx="4">
+                  <c:v>4.1672188572135225</c:v>
+                </c:pt>
+                <c:pt idx="5">
+                  <c:v>4.8124397567688204</c:v>
+                </c:pt>
+              </c:numCache>
+            </c:numRef>
+          </c:val>
+          <c:smooth val="0"/>
+        </c:ser>
+        <c:ser>
+          <c:idx val="9"/>
+          <c:order val="9"/>
+          <c:tx>
+            <c:strRef>
+              <c:f>CG!$A$11</c:f>
+              <c:strCache>
+                <c:ptCount val="1"/>
+                <c:pt idx="0">
+                  <c:v>4500x4500</c:v>
+                </c:pt>
+              </c:strCache>
+            </c:strRef>
+          </c:tx>
+          <c:spPr>
+            <a:ln w="28575" cap="rnd">
+              <a:solidFill>
+                <a:schemeClr val="accent4">
+                  <a:lumMod val="60000"/>
+                </a:schemeClr>
+              </a:solidFill>
+              <a:round/>
+            </a:ln>
+            <a:effectLst/>
+          </c:spPr>
+          <c:marker>
+            <c:symbol val="none"/>
+          </c:marker>
+          <c:cat>
+            <c:strRef>
+              <c:f>CG!$C$1:$H$1</c:f>
+              <c:strCache>
+                <c:ptCount val="6"/>
+                <c:pt idx="0">
+                  <c:v>S(2)</c:v>
+                </c:pt>
+                <c:pt idx="1">
+                  <c:v>S(4)</c:v>
+                </c:pt>
+                <c:pt idx="2">
+                  <c:v>S(6)</c:v>
+                </c:pt>
+                <c:pt idx="3">
+                  <c:v>S(8)</c:v>
+                </c:pt>
+                <c:pt idx="4">
+                  <c:v>S(10)</c:v>
+                </c:pt>
+                <c:pt idx="5">
+                  <c:v>S(12)</c:v>
+                </c:pt>
+              </c:strCache>
+            </c:strRef>
+          </c:cat>
+          <c:val>
+            <c:numRef>
+              <c:f>CG!$C$11:$H$11</c:f>
+              <c:numCache>
+                <c:formatCode>General</c:formatCode>
+                <c:ptCount val="6"/>
+                <c:pt idx="0">
+                  <c:v>1.8514715718564996</c:v>
+                </c:pt>
+                <c:pt idx="1">
+                  <c:v>3.4678566546095575</c:v>
+                </c:pt>
+                <c:pt idx="2">
+                  <c:v>4.4963052065269711</c:v>
+                </c:pt>
+                <c:pt idx="3">
+                  <c:v>3.4593504901217864</c:v>
+                </c:pt>
+                <c:pt idx="4">
+                  <c:v>4.2896946945036669</c:v>
+                </c:pt>
+                <c:pt idx="5">
+                  <c:v>4.7764314253967086</c:v>
+                </c:pt>
+              </c:numCache>
+            </c:numRef>
+          </c:val>
+          <c:smooth val="0"/>
+        </c:ser>
+        <c:ser>
+          <c:idx val="10"/>
+          <c:order val="10"/>
+          <c:tx>
+            <c:strRef>
+              <c:f>CG!$A$12</c:f>
+              <c:strCache>
+                <c:ptCount val="1"/>
+                <c:pt idx="0">
+                  <c:v>5000x5000</c:v>
+                </c:pt>
+              </c:strCache>
+            </c:strRef>
+          </c:tx>
+          <c:spPr>
+            <a:ln w="28575" cap="rnd">
+              <a:solidFill>
+                <a:schemeClr val="accent5">
+                  <a:lumMod val="60000"/>
+                </a:schemeClr>
+              </a:solidFill>
+              <a:round/>
+            </a:ln>
+            <a:effectLst/>
+          </c:spPr>
+          <c:marker>
+            <c:symbol val="none"/>
+          </c:marker>
+          <c:cat>
+            <c:strRef>
+              <c:f>CG!$C$1:$H$1</c:f>
+              <c:strCache>
+                <c:ptCount val="6"/>
+                <c:pt idx="0">
+                  <c:v>S(2)</c:v>
+                </c:pt>
+                <c:pt idx="1">
+                  <c:v>S(4)</c:v>
+                </c:pt>
+                <c:pt idx="2">
+                  <c:v>S(6)</c:v>
+                </c:pt>
+                <c:pt idx="3">
+                  <c:v>S(8)</c:v>
+                </c:pt>
+                <c:pt idx="4">
+                  <c:v>S(10)</c:v>
+                </c:pt>
+                <c:pt idx="5">
+                  <c:v>S(12)</c:v>
+                </c:pt>
+              </c:strCache>
+            </c:strRef>
+          </c:cat>
+          <c:val>
+            <c:numRef>
+              <c:f>CG!$C$12:$H$12</c:f>
+              <c:numCache>
+                <c:formatCode>General</c:formatCode>
+                <c:ptCount val="6"/>
+                <c:pt idx="0">
+                  <c:v>1.8912959707219106</c:v>
+                </c:pt>
+                <c:pt idx="1">
+                  <c:v>3.1219146984170996</c:v>
+                </c:pt>
+                <c:pt idx="2">
+                  <c:v>4.5558488222373814</c:v>
+                </c:pt>
+                <c:pt idx="3">
+                  <c:v>3.4594729796124151</c:v>
+                </c:pt>
+                <c:pt idx="4">
+                  <c:v>4.1794825739875119</c:v>
+                </c:pt>
+                <c:pt idx="5">
+                  <c:v>4.981554902191224</c:v>
+                </c:pt>
+              </c:numCache>
+            </c:numRef>
+          </c:val>
+          <c:smooth val="0"/>
+        </c:ser>
+        <c:ser>
+          <c:idx val="11"/>
+          <c:order val="11"/>
+          <c:tx>
+            <c:strRef>
+              <c:f>CG!$A$13</c:f>
+              <c:strCache>
+                <c:ptCount val="1"/>
+                <c:pt idx="0">
+                  <c:v>5500x5500</c:v>
+                </c:pt>
+              </c:strCache>
+            </c:strRef>
+          </c:tx>
+          <c:spPr>
+            <a:ln w="28575" cap="rnd">
+              <a:solidFill>
+                <a:schemeClr val="accent6">
+                  <a:lumMod val="60000"/>
+                </a:schemeClr>
+              </a:solidFill>
+              <a:round/>
+            </a:ln>
+            <a:effectLst/>
+          </c:spPr>
+          <c:marker>
+            <c:symbol val="none"/>
+          </c:marker>
+          <c:cat>
+            <c:strRef>
+              <c:f>CG!$C$1:$H$1</c:f>
+              <c:strCache>
+                <c:ptCount val="6"/>
+                <c:pt idx="0">
+                  <c:v>S(2)</c:v>
+                </c:pt>
+                <c:pt idx="1">
+                  <c:v>S(4)</c:v>
+                </c:pt>
+                <c:pt idx="2">
+                  <c:v>S(6)</c:v>
+                </c:pt>
+                <c:pt idx="3">
+                  <c:v>S(8)</c:v>
+                </c:pt>
+                <c:pt idx="4">
+                  <c:v>S(10)</c:v>
+                </c:pt>
+                <c:pt idx="5">
+                  <c:v>S(12)</c:v>
+                </c:pt>
+              </c:strCache>
+            </c:strRef>
+          </c:cat>
+          <c:val>
+            <c:numRef>
+              <c:f>CG!$C$13:$H$13</c:f>
+              <c:numCache>
+                <c:formatCode>General</c:formatCode>
+                <c:ptCount val="6"/>
+                <c:pt idx="0">
+                  <c:v>1.8600738088003435</c:v>
+                </c:pt>
+                <c:pt idx="1">
+                  <c:v>3.0166627003557585</c:v>
+                </c:pt>
+                <c:pt idx="2">
+                  <c:v>4.5387345257264631</c:v>
+                </c:pt>
+                <c:pt idx="3">
+                  <c:v>3.5019025586679255</c:v>
+                </c:pt>
+                <c:pt idx="4">
+                  <c:v>4.1581009633304271</c:v>
+                </c:pt>
+                <c:pt idx="5">
+                  <c:v>4.9326371501323818</c:v>
+                </c:pt>
+              </c:numCache>
+            </c:numRef>
+          </c:val>
+          <c:smooth val="0"/>
+        </c:ser>
+        <c:ser>
+          <c:idx val="12"/>
+          <c:order val="12"/>
+          <c:tx>
+            <c:strRef>
+              <c:f>CG!$A$14</c:f>
+              <c:strCache>
+                <c:ptCount val="1"/>
+                <c:pt idx="0">
+                  <c:v>6000x6000</c:v>
+                </c:pt>
+              </c:strCache>
+            </c:strRef>
+          </c:tx>
+          <c:spPr>
+            <a:ln w="28575" cap="rnd">
+              <a:solidFill>
+                <a:schemeClr val="accent1">
+                  <a:lumMod val="80000"/>
+                  <a:lumOff val="20000"/>
+                </a:schemeClr>
+              </a:solidFill>
+              <a:round/>
+            </a:ln>
+            <a:effectLst/>
+          </c:spPr>
+          <c:marker>
+            <c:symbol val="none"/>
+          </c:marker>
+          <c:cat>
+            <c:strRef>
+              <c:f>CG!$C$1:$H$1</c:f>
+              <c:strCache>
+                <c:ptCount val="6"/>
+                <c:pt idx="0">
+                  <c:v>S(2)</c:v>
+                </c:pt>
+                <c:pt idx="1">
+                  <c:v>S(4)</c:v>
+                </c:pt>
+                <c:pt idx="2">
+                  <c:v>S(6)</c:v>
+                </c:pt>
+                <c:pt idx="3">
+                  <c:v>S(8)</c:v>
+                </c:pt>
+                <c:pt idx="4">
+                  <c:v>S(10)</c:v>
+                </c:pt>
+                <c:pt idx="5">
+                  <c:v>S(12)</c:v>
+                </c:pt>
+              </c:strCache>
+            </c:strRef>
+          </c:cat>
+          <c:val>
+            <c:numRef>
+              <c:f>CG!$C$14:$H$14</c:f>
+              <c:numCache>
+                <c:formatCode>General</c:formatCode>
+                <c:ptCount val="6"/>
+                <c:pt idx="0">
+                  <c:v>1.7539771143256453</c:v>
+                </c:pt>
+                <c:pt idx="1">
+                  <c:v>1.8155979209781281</c:v>
+                </c:pt>
+                <c:pt idx="2">
+                  <c:v>4.6022795308138118</c:v>
+                </c:pt>
+                <c:pt idx="3">
+                  <c:v>3.4272686495078339</c:v>
+                </c:pt>
+                <c:pt idx="4">
+                  <c:v>4.3388170861920354</c:v>
+                </c:pt>
+                <c:pt idx="5">
+                  <c:v>4.9129762412273479</c:v>
+                </c:pt>
+              </c:numCache>
+            </c:numRef>
+          </c:val>
+          <c:smooth val="0"/>
+        </c:ser>
+        <c:ser>
+          <c:idx val="13"/>
+          <c:order val="13"/>
+          <c:tx>
+            <c:strRef>
+              <c:f>CG!$A$15</c:f>
+              <c:strCache>
+                <c:ptCount val="1"/>
+                <c:pt idx="0">
+                  <c:v>6500x6500</c:v>
+                </c:pt>
+              </c:strCache>
+            </c:strRef>
+          </c:tx>
+          <c:spPr>
+            <a:ln w="28575" cap="rnd">
+              <a:solidFill>
+                <a:schemeClr val="accent2">
+                  <a:lumMod val="80000"/>
+                  <a:lumOff val="20000"/>
+                </a:schemeClr>
+              </a:solidFill>
+              <a:round/>
+            </a:ln>
+            <a:effectLst/>
+          </c:spPr>
+          <c:marker>
+            <c:symbol val="none"/>
+          </c:marker>
+          <c:cat>
+            <c:strRef>
+              <c:f>CG!$C$1:$H$1</c:f>
+              <c:strCache>
+                <c:ptCount val="6"/>
+                <c:pt idx="0">
+                  <c:v>S(2)</c:v>
+                </c:pt>
+                <c:pt idx="1">
+                  <c:v>S(4)</c:v>
+                </c:pt>
+                <c:pt idx="2">
+                  <c:v>S(6)</c:v>
+                </c:pt>
+                <c:pt idx="3">
+                  <c:v>S(8)</c:v>
+                </c:pt>
+                <c:pt idx="4">
+                  <c:v>S(10)</c:v>
+                </c:pt>
+                <c:pt idx="5">
+                  <c:v>S(12)</c:v>
+                </c:pt>
+              </c:strCache>
+            </c:strRef>
+          </c:cat>
+          <c:val>
+            <c:numRef>
+              <c:f>CG!$C$15:$H$15</c:f>
+              <c:numCache>
+                <c:formatCode>General</c:formatCode>
+                <c:ptCount val="6"/>
+                <c:pt idx="0">
+                  <c:v>1.2394217061947619</c:v>
+                </c:pt>
+                <c:pt idx="1">
+                  <c:v>3.178372640758214</c:v>
+                </c:pt>
+                <c:pt idx="2">
+                  <c:v>4.3470929870754631</c:v>
+                </c:pt>
+                <c:pt idx="3">
+                  <c:v>3.6042832555021844</c:v>
+                </c:pt>
+                <c:pt idx="4">
+                  <c:v>4.3403235051790627</c:v>
+                </c:pt>
+                <c:pt idx="5">
+                  <c:v>4.6253344035495303</c:v>
+                </c:pt>
+              </c:numCache>
+            </c:numRef>
+          </c:val>
+          <c:smooth val="0"/>
         </c:ser>
         <c:dLbls>
           <c:showLegendKey val="0"/>
@@ -2777,11 +3533,11 @@
           <c:showBubbleSize val="0"/>
         </c:dLbls>
         <c:smooth val="0"/>
-        <c:axId val="855566240"/>
-        <c:axId val="855565152"/>
+        <c:axId val="164006944"/>
+        <c:axId val="164005856"/>
       </c:lineChart>
       <c:catAx>
-        <c:axId val="855566240"/>
+        <c:axId val="164006944"/>
         <c:scaling>
           <c:orientation val="minMax"/>
         </c:scaling>
@@ -2838,7 +3594,7 @@
             <a:endParaRPr lang="ru-RU"/>
           </a:p>
         </c:txPr>
-        <c:crossAx val="855565152"/>
+        <c:crossAx val="164005856"/>
         <c:crosses val="autoZero"/>
         <c:auto val="1"/>
         <c:lblAlgn val="ctr"/>
@@ -2846,7 +3602,7 @@
         <c:noMultiLvlLbl val="0"/>
       </c:catAx>
       <c:valAx>
-        <c:axId val="855565152"/>
+        <c:axId val="164005856"/>
         <c:scaling>
           <c:orientation val="minMax"/>
           <c:min val="1"/>
@@ -2898,7 +3654,7 @@
             <a:endParaRPr lang="ru-RU"/>
           </a:p>
         </c:txPr>
-        <c:crossAx val="855566240"/>
+        <c:crossAx val="164006944"/>
         <c:crosses val="autoZero"/>
         <c:crossBetween val="midCat"/>
         <c:majorUnit val="0.5"/>
@@ -4665,7 +5421,7 @@
           <p:cNvPr id="2" name="Верхний колонтитул 1">
             <a:extLst>
               <a:ext uri="{FF2B5EF4-FFF2-40B4-BE49-F238E27FC236}">
-                <a16:creationId xmlns:a16="http://schemas.microsoft.com/office/drawing/2014/main" id="{260D1341-3503-487C-B2C2-A6063D072EA6}"/>
+                <a16:creationId xmlns:a16="http://schemas.microsoft.com/office/drawing/2014/main" xmlns="" id="{260D1341-3503-487C-B2C2-A6063D072EA6}"/>
               </a:ext>
             </a:extLst>
           </p:cNvPr>
@@ -4702,7 +5458,7 @@
           <p:cNvPr id="3" name="Дата 2">
             <a:extLst>
               <a:ext uri="{FF2B5EF4-FFF2-40B4-BE49-F238E27FC236}">
-                <a16:creationId xmlns:a16="http://schemas.microsoft.com/office/drawing/2014/main" id="{B8AEEF98-7BDD-4C72-BD8C-644041A68A22}"/>
+                <a16:creationId xmlns:a16="http://schemas.microsoft.com/office/drawing/2014/main" xmlns="" id="{B8AEEF98-7BDD-4C72-BD8C-644041A68A22}"/>
               </a:ext>
             </a:extLst>
           </p:cNvPr>
@@ -4732,7 +5488,7 @@
           <a:p>
             <a:fld id="{EAC7B480-4FB3-4F32-9642-08EBE6967632}" type="datetime1">
               <a:rPr lang="ru-RU" smtClean="0"/>
-              <a:t>26.04.2022</a:t>
+              <a:t>27.04.2022</a:t>
             </a:fld>
             <a:endParaRPr lang="ru-RU"/>
           </a:p>
@@ -4743,7 +5499,7 @@
           <p:cNvPr id="4" name="Нижний колонтитул 3">
             <a:extLst>
               <a:ext uri="{FF2B5EF4-FFF2-40B4-BE49-F238E27FC236}">
-                <a16:creationId xmlns:a16="http://schemas.microsoft.com/office/drawing/2014/main" id="{8A9A61ED-275F-419B-B7E2-E79F99C7E38E}"/>
+                <a16:creationId xmlns:a16="http://schemas.microsoft.com/office/drawing/2014/main" xmlns="" id="{8A9A61ED-275F-419B-B7E2-E79F99C7E38E}"/>
               </a:ext>
             </a:extLst>
           </p:cNvPr>
@@ -4780,7 +5536,7 @@
           <p:cNvPr id="5" name="Номер слайда 4">
             <a:extLst>
               <a:ext uri="{FF2B5EF4-FFF2-40B4-BE49-F238E27FC236}">
-                <a16:creationId xmlns:a16="http://schemas.microsoft.com/office/drawing/2014/main" id="{992D84CA-A59B-4F92-95A7-F148697C5BED}"/>
+                <a16:creationId xmlns:a16="http://schemas.microsoft.com/office/drawing/2014/main" xmlns="" id="{992D84CA-A59B-4F92-95A7-F148697C5BED}"/>
               </a:ext>
             </a:extLst>
           </p:cNvPr>
@@ -4910,7 +5666,7 @@
           <a:p>
             <a:fld id="{0FF2E734-2E7E-4FAA-9647-ABEE08BAA44C}" type="datetime1">
               <a:rPr lang="ru-RU" smtClean="0"/>
-              <a:t>26.04.2022</a:t>
+              <a:t>27.04.2022</a:t>
             </a:fld>
             <a:endParaRPr lang="ru-RU"/>
           </a:p>
@@ -5200,7 +5956,7 @@
           <p:cNvPr id="2" name="Заголовок 1">
             <a:extLst>
               <a:ext uri="{FF2B5EF4-FFF2-40B4-BE49-F238E27FC236}">
-                <a16:creationId xmlns:a16="http://schemas.microsoft.com/office/drawing/2014/main" id="{02E488CE-BB74-46D3-90B9-713EBE8D0B2E}"/>
+                <a16:creationId xmlns:a16="http://schemas.microsoft.com/office/drawing/2014/main" xmlns="" id="{02E488CE-BB74-46D3-90B9-713EBE8D0B2E}"/>
               </a:ext>
             </a:extLst>
           </p:cNvPr>
@@ -5242,7 +5998,7 @@
           <p:cNvPr id="3" name="Подзаголовок 2">
             <a:extLst>
               <a:ext uri="{FF2B5EF4-FFF2-40B4-BE49-F238E27FC236}">
-                <a16:creationId xmlns:a16="http://schemas.microsoft.com/office/drawing/2014/main" id="{D2630922-A485-4FF7-BB07-B0F425146DE9}"/>
+                <a16:creationId xmlns:a16="http://schemas.microsoft.com/office/drawing/2014/main" xmlns="" id="{D2630922-A485-4FF7-BB07-B0F425146DE9}"/>
               </a:ext>
             </a:extLst>
           </p:cNvPr>
@@ -5315,7 +6071,7 @@
           <p:cNvPr id="5" name="Нижний колонтитул 4">
             <a:extLst>
               <a:ext uri="{FF2B5EF4-FFF2-40B4-BE49-F238E27FC236}">
-                <a16:creationId xmlns:a16="http://schemas.microsoft.com/office/drawing/2014/main" id="{91B5DE16-A7BD-4ABD-999B-24DCE1863DD4}"/>
+                <a16:creationId xmlns:a16="http://schemas.microsoft.com/office/drawing/2014/main" xmlns="" id="{91B5DE16-A7BD-4ABD-999B-24DCE1863DD4}"/>
               </a:ext>
             </a:extLst>
           </p:cNvPr>
@@ -5354,7 +6110,7 @@
           <p:cNvPr id="7" name="Дата 3">
             <a:extLst>
               <a:ext uri="{FF2B5EF4-FFF2-40B4-BE49-F238E27FC236}">
-                <a16:creationId xmlns:a16="http://schemas.microsoft.com/office/drawing/2014/main" id="{DC5540A6-634B-4BA2-AA77-828AA7F80B39}"/>
+                <a16:creationId xmlns:a16="http://schemas.microsoft.com/office/drawing/2014/main" xmlns="" id="{DC5540A6-634B-4BA2-AA77-828AA7F80B39}"/>
               </a:ext>
             </a:extLst>
           </p:cNvPr>
@@ -5494,7 +6250,7 @@
           <p:cNvPr id="10" name="Рисунок 17">
             <a:extLst>
               <a:ext uri="{FF2B5EF4-FFF2-40B4-BE49-F238E27FC236}">
-                <a16:creationId xmlns:a16="http://schemas.microsoft.com/office/drawing/2014/main" id="{60AEDDCC-4C87-4893-A5D3-0631D38616C4}"/>
+                <a16:creationId xmlns:a16="http://schemas.microsoft.com/office/drawing/2014/main" xmlns="" id="{60AEDDCC-4C87-4893-A5D3-0631D38616C4}"/>
               </a:ext>
             </a:extLst>
           </p:cNvPr>
@@ -5530,7 +6286,7 @@
           <p:cNvPr id="11" name="Рисунок 18">
             <a:extLst>
               <a:ext uri="{FF2B5EF4-FFF2-40B4-BE49-F238E27FC236}">
-                <a16:creationId xmlns:a16="http://schemas.microsoft.com/office/drawing/2014/main" id="{DCEFA212-7D5C-4A28-812C-20A093AA4AB3}"/>
+                <a16:creationId xmlns:a16="http://schemas.microsoft.com/office/drawing/2014/main" xmlns="" id="{DCEFA212-7D5C-4A28-812C-20A093AA4AB3}"/>
               </a:ext>
             </a:extLst>
           </p:cNvPr>
@@ -5596,7 +6352,7 @@
           <p:cNvPr id="2" name="Заголовок 1">
             <a:extLst>
               <a:ext uri="{FF2B5EF4-FFF2-40B4-BE49-F238E27FC236}">
-                <a16:creationId xmlns:a16="http://schemas.microsoft.com/office/drawing/2014/main" id="{EFF7F242-F07A-45C0-AEB9-A32ABD0350EA}"/>
+                <a16:creationId xmlns:a16="http://schemas.microsoft.com/office/drawing/2014/main" xmlns="" id="{EFF7F242-F07A-45C0-AEB9-A32ABD0350EA}"/>
               </a:ext>
             </a:extLst>
           </p:cNvPr>
@@ -5638,7 +6394,7 @@
           <p:cNvPr id="3" name="Объект 2">
             <a:extLst>
               <a:ext uri="{FF2B5EF4-FFF2-40B4-BE49-F238E27FC236}">
-                <a16:creationId xmlns:a16="http://schemas.microsoft.com/office/drawing/2014/main" id="{0BFF90FD-C0D8-4B51-8306-AFB023E96585}"/>
+                <a16:creationId xmlns:a16="http://schemas.microsoft.com/office/drawing/2014/main" xmlns="" id="{0BFF90FD-C0D8-4B51-8306-AFB023E96585}"/>
               </a:ext>
             </a:extLst>
           </p:cNvPr>
@@ -5733,7 +6489,7 @@
           <p:cNvPr id="4" name="Дата 3">
             <a:extLst>
               <a:ext uri="{FF2B5EF4-FFF2-40B4-BE49-F238E27FC236}">
-                <a16:creationId xmlns:a16="http://schemas.microsoft.com/office/drawing/2014/main" id="{7302B221-F06D-4F53-BDC8-A12B64C49F42}"/>
+                <a16:creationId xmlns:a16="http://schemas.microsoft.com/office/drawing/2014/main" xmlns="" id="{7302B221-F06D-4F53-BDC8-A12B64C49F42}"/>
               </a:ext>
             </a:extLst>
           </p:cNvPr>
@@ -5764,7 +6520,7 @@
           <a:p>
             <a:fld id="{44E0955F-D797-4FF7-9F57-168AA0F993D1}" type="datetime1">
               <a:rPr lang="ru-RU" smtClean="0"/>
-              <a:t>26.04.2022</a:t>
+              <a:t>27.04.2022</a:t>
             </a:fld>
             <a:endParaRPr lang="ru-RU" dirty="0"/>
           </a:p>
@@ -5775,7 +6531,7 @@
           <p:cNvPr id="5" name="Нижний колонтитул 4">
             <a:extLst>
               <a:ext uri="{FF2B5EF4-FFF2-40B4-BE49-F238E27FC236}">
-                <a16:creationId xmlns:a16="http://schemas.microsoft.com/office/drawing/2014/main" id="{EF7FCF93-A051-41A8-9C44-C22E3620F78E}"/>
+                <a16:creationId xmlns:a16="http://schemas.microsoft.com/office/drawing/2014/main" xmlns="" id="{EF7FCF93-A051-41A8-9C44-C22E3620F78E}"/>
               </a:ext>
             </a:extLst>
           </p:cNvPr>
@@ -5816,7 +6572,7 @@
           <p:cNvPr id="6" name="Номер слайда 5">
             <a:extLst>
               <a:ext uri="{FF2B5EF4-FFF2-40B4-BE49-F238E27FC236}">
-                <a16:creationId xmlns:a16="http://schemas.microsoft.com/office/drawing/2014/main" id="{24AE224D-782B-4F27-9797-384084E4CC6F}"/>
+                <a16:creationId xmlns:a16="http://schemas.microsoft.com/office/drawing/2014/main" xmlns="" id="{24AE224D-782B-4F27-9797-384084E4CC6F}"/>
               </a:ext>
             </a:extLst>
           </p:cNvPr>
@@ -5850,7 +6606,7 @@
           <p:cNvPr id="7" name="Рисунок 18">
             <a:extLst>
               <a:ext uri="{FF2B5EF4-FFF2-40B4-BE49-F238E27FC236}">
-                <a16:creationId xmlns:a16="http://schemas.microsoft.com/office/drawing/2014/main" id="{737DC428-FDB3-416A-B0C9-B92BE34AA2DA}"/>
+                <a16:creationId xmlns:a16="http://schemas.microsoft.com/office/drawing/2014/main" xmlns="" id="{737DC428-FDB3-416A-B0C9-B92BE34AA2DA}"/>
               </a:ext>
             </a:extLst>
           </p:cNvPr>
@@ -5916,7 +6672,7 @@
           <p:cNvPr id="2" name="Заголовок 1">
             <a:extLst>
               <a:ext uri="{FF2B5EF4-FFF2-40B4-BE49-F238E27FC236}">
-                <a16:creationId xmlns:a16="http://schemas.microsoft.com/office/drawing/2014/main" id="{F7DA01EE-B7B9-4D18-97C7-99C58A3F1C3B}"/>
+                <a16:creationId xmlns:a16="http://schemas.microsoft.com/office/drawing/2014/main" xmlns="" id="{F7DA01EE-B7B9-4D18-97C7-99C58A3F1C3B}"/>
               </a:ext>
             </a:extLst>
           </p:cNvPr>
@@ -5993,7 +6749,7 @@
           <p:cNvPr id="2" name="Заголовок 1">
             <a:extLst>
               <a:ext uri="{FF2B5EF4-FFF2-40B4-BE49-F238E27FC236}">
-                <a16:creationId xmlns:a16="http://schemas.microsoft.com/office/drawing/2014/main" id="{8EA7CEAE-8323-493F-BBC3-9E0AA1DF04D1}"/>
+                <a16:creationId xmlns:a16="http://schemas.microsoft.com/office/drawing/2014/main" xmlns="" id="{8EA7CEAE-8323-493F-BBC3-9E0AA1DF04D1}"/>
               </a:ext>
             </a:extLst>
           </p:cNvPr>
@@ -6031,7 +6787,7 @@
           <p:cNvPr id="3" name="Текст 2">
             <a:extLst>
               <a:ext uri="{FF2B5EF4-FFF2-40B4-BE49-F238E27FC236}">
-                <a16:creationId xmlns:a16="http://schemas.microsoft.com/office/drawing/2014/main" id="{D6F520A9-A6C0-45A5-9C1E-10CCA59B8EAB}"/>
+                <a16:creationId xmlns:a16="http://schemas.microsoft.com/office/drawing/2014/main" xmlns="" id="{D6F520A9-A6C0-45A5-9C1E-10CCA59B8EAB}"/>
               </a:ext>
             </a:extLst>
           </p:cNvPr>
@@ -6098,7 +6854,7 @@
           <p:cNvPr id="4" name="Дата 3">
             <a:extLst>
               <a:ext uri="{FF2B5EF4-FFF2-40B4-BE49-F238E27FC236}">
-                <a16:creationId xmlns:a16="http://schemas.microsoft.com/office/drawing/2014/main" id="{D8A9A8BC-6172-48CE-94F9-37F883C63354}"/>
+                <a16:creationId xmlns:a16="http://schemas.microsoft.com/office/drawing/2014/main" xmlns="" id="{D8A9A8BC-6172-48CE-94F9-37F883C63354}"/>
               </a:ext>
             </a:extLst>
           </p:cNvPr>
@@ -6134,7 +6890,7 @@
           <a:p>
             <a:fld id="{E5D7C68A-9F4D-47E4-815D-DFB2FF0C473E}" type="datetime1">
               <a:rPr lang="ru-RU" smtClean="0"/>
-              <a:t>26.04.2022</a:t>
+              <a:t>27.04.2022</a:t>
             </a:fld>
             <a:endParaRPr lang="ru-RU"/>
           </a:p>
@@ -6145,7 +6901,7 @@
           <p:cNvPr id="5" name="Нижний колонтитул 4">
             <a:extLst>
               <a:ext uri="{FF2B5EF4-FFF2-40B4-BE49-F238E27FC236}">
-                <a16:creationId xmlns:a16="http://schemas.microsoft.com/office/drawing/2014/main" id="{DBDB827B-4F63-4973-AE13-A65032270EEF}"/>
+                <a16:creationId xmlns:a16="http://schemas.microsoft.com/office/drawing/2014/main" xmlns="" id="{DBDB827B-4F63-4973-AE13-A65032270EEF}"/>
               </a:ext>
             </a:extLst>
           </p:cNvPr>
@@ -6191,7 +6947,7 @@
           <p:cNvPr id="6" name="Номер слайда 5">
             <a:extLst>
               <a:ext uri="{FF2B5EF4-FFF2-40B4-BE49-F238E27FC236}">
-                <a16:creationId xmlns:a16="http://schemas.microsoft.com/office/drawing/2014/main" id="{78F32744-8F93-402F-BABE-5B7AB1061047}"/>
+                <a16:creationId xmlns:a16="http://schemas.microsoft.com/office/drawing/2014/main" xmlns="" id="{78F32744-8F93-402F-BABE-5B7AB1061047}"/>
               </a:ext>
             </a:extLst>
           </p:cNvPr>
@@ -6552,7 +7308,7 @@
           <p:cNvPr id="2" name="Заголовок 1">
             <a:extLst>
               <a:ext uri="{FF2B5EF4-FFF2-40B4-BE49-F238E27FC236}">
-                <a16:creationId xmlns:a16="http://schemas.microsoft.com/office/drawing/2014/main" id="{3C2A1577-F9E9-4059-87AE-497430A2CDE1}"/>
+                <a16:creationId xmlns:a16="http://schemas.microsoft.com/office/drawing/2014/main" xmlns="" id="{3C2A1577-F9E9-4059-87AE-497430A2CDE1}"/>
               </a:ext>
             </a:extLst>
           </p:cNvPr>
@@ -6592,7 +7348,7 @@
           <p:cNvPr id="3" name="Подзаголовок 2">
             <a:extLst>
               <a:ext uri="{FF2B5EF4-FFF2-40B4-BE49-F238E27FC236}">
-                <a16:creationId xmlns:a16="http://schemas.microsoft.com/office/drawing/2014/main" id="{1B104A6D-C2F9-4718-BBAF-4134E4A75125}"/>
+                <a16:creationId xmlns:a16="http://schemas.microsoft.com/office/drawing/2014/main" xmlns="" id="{1B104A6D-C2F9-4718-BBAF-4134E4A75125}"/>
               </a:ext>
             </a:extLst>
           </p:cNvPr>
@@ -6636,7 +7392,7 @@
           <p:cNvPr id="4" name="Нижний колонтитул 3">
             <a:extLst>
               <a:ext uri="{FF2B5EF4-FFF2-40B4-BE49-F238E27FC236}">
-                <a16:creationId xmlns:a16="http://schemas.microsoft.com/office/drawing/2014/main" id="{57F69275-E68D-4C49-91F1-A922172C27F5}"/>
+                <a16:creationId xmlns:a16="http://schemas.microsoft.com/office/drawing/2014/main" xmlns="" id="{57F69275-E68D-4C49-91F1-A922172C27F5}"/>
               </a:ext>
             </a:extLst>
           </p:cNvPr>
@@ -6740,7 +7496,7 @@
           <a:p>
             <a:fld id="{44E0955F-D797-4FF7-9F57-168AA0F993D1}" type="datetime1">
               <a:rPr lang="ru-RU" smtClean="0"/>
-              <a:t>26.04.2022</a:t>
+              <a:t>27.04.2022</a:t>
             </a:fld>
             <a:endParaRPr lang="ru-RU" dirty="0"/>
           </a:p>
@@ -6801,7 +7557,7 @@
           <p:nvPr>
             <p:extLst>
               <p:ext uri="{D42A27DB-BD31-4B8C-83A1-F6EECF244321}">
-                <p14:modId xmlns:p14="http://schemas.microsoft.com/office/powerpoint/2010/main" val="1852441812"/>
+                <p14:modId xmlns:p14="http://schemas.microsoft.com/office/powerpoint/2010/main" val="812022375"/>
               </p:ext>
             </p:extLst>
           </p:nvPr>
@@ -6838,7 +7594,7 @@
           <a:graphicData uri="http://schemas.openxmlformats.org/presentationml/2006/ole">
             <mc:AlternateContent xmlns:mc="http://schemas.openxmlformats.org/markup-compatibility/2006">
               <mc:Choice xmlns:v="urn:schemas-microsoft-com:vml" Requires="v">
-                <p:oleObj spid="_x0000_s8199" name="Двоичный лист" r:id="rId4" imgW="2847867" imgH="2876522" progId="Excel.SheetBinaryMacroEnabled.12">
+                <p:oleObj spid="_x0000_s8201" name="Двоичный лист" r:id="rId4" imgW="2847867" imgH="2876522" progId="Excel.SheetBinaryMacroEnabled.12">
                   <p:embed/>
                 </p:oleObj>
               </mc:Choice>
@@ -6930,19 +7686,7 @@
             </a:r>
             <a:r>
               <a:rPr lang="kk-KZ" dirty="0" smtClean="0"/>
-              <a:t>әдістерін</a:t>
-            </a:r>
-            <a:r>
-              <a:rPr lang="kk-KZ" dirty="0" smtClean="0"/>
-              <a:t>ің</a:t>
-            </a:r>
-            <a:r>
-              <a:rPr lang="kk-KZ" dirty="0" smtClean="0"/>
-              <a:t> </a:t>
-            </a:r>
-            <a:r>
-              <a:rPr lang="kk-KZ" dirty="0" smtClean="0"/>
-              <a:t>параллельді алгоритмдері С++ программалау тілінде</a:t>
+              <a:t>әдістерінің параллельді алгоритмдері С++ программалау тілінде</a:t>
             </a:r>
             <a:endParaRPr lang="ru-RU" dirty="0"/>
           </a:p>
@@ -7612,7 +8356,7 @@
           <a:p>
             <a:fld id="{44E0955F-D797-4FF7-9F57-168AA0F993D1}" type="datetime1">
               <a:rPr lang="ru-RU" smtClean="0"/>
-              <a:t>26.04.2022</a:t>
+              <a:t>27.04.2022</a:t>
             </a:fld>
             <a:endParaRPr lang="ru-RU" dirty="0"/>
           </a:p>
@@ -7686,7 +8430,7 @@
           <a:graphicData uri="http://schemas.openxmlformats.org/presentationml/2006/ole">
             <mc:AlternateContent xmlns:mc="http://schemas.openxmlformats.org/markup-compatibility/2006">
               <mc:Choice xmlns:v="urn:schemas-microsoft-com:vml" Requires="v">
-                <p:oleObj spid="_x0000_s6150" name="Equation" r:id="rId3" imgW="2209680" imgH="431640" progId="Equation.DSMT4">
+                <p:oleObj spid="_x0000_s6152" name="Equation" r:id="rId3" imgW="2209680" imgH="431640" progId="Equation.DSMT4">
                   <p:embed/>
                 </p:oleObj>
               </mc:Choice>
@@ -7829,7 +8573,7 @@
           <a:p>
             <a:fld id="{44E0955F-D797-4FF7-9F57-168AA0F993D1}" type="datetime1">
               <a:rPr lang="ru-RU" smtClean="0"/>
-              <a:t>26.04.2022</a:t>
+              <a:t>27.04.2022</a:t>
             </a:fld>
             <a:endParaRPr lang="ru-RU" dirty="0"/>
           </a:p>
@@ -7883,30 +8627,6 @@
       </p:sp>
       <p:graphicFrame>
         <p:nvGraphicFramePr>
-          <p:cNvPr id="10" name="Диаграмма 9"/>
-          <p:cNvGraphicFramePr>
-            <a:graphicFrameLocks/>
-          </p:cNvGraphicFramePr>
-          <p:nvPr>
-            <p:extLst>
-              <p:ext uri="{D42A27DB-BD31-4B8C-83A1-F6EECF244321}">
-                <p14:modId xmlns:p14="http://schemas.microsoft.com/office/powerpoint/2010/main" val="1063891627"/>
-              </p:ext>
-            </p:extLst>
-          </p:nvPr>
-        </p:nvGraphicFramePr>
-        <p:xfrm>
-          <a:off x="4826977" y="1488465"/>
-          <a:ext cx="7091546" cy="3549527"/>
-        </p:xfrm>
-        <a:graphic>
-          <a:graphicData uri="http://schemas.openxmlformats.org/drawingml/2006/chart">
-            <c:chart xmlns:c="http://schemas.openxmlformats.org/drawingml/2006/chart" xmlns:r="http://schemas.openxmlformats.org/officeDocument/2006/relationships" r:id="rId3"/>
-          </a:graphicData>
-        </a:graphic>
-      </p:graphicFrame>
-      <p:graphicFrame>
-        <p:nvGraphicFramePr>
           <p:cNvPr id="11" name="Объект 10"/>
           <p:cNvGraphicFramePr>
             <a:graphicFrameLocks noChangeAspect="1"/>
@@ -7927,12 +8647,12 @@
           <a:graphicData uri="http://schemas.openxmlformats.org/presentationml/2006/ole">
             <mc:AlternateContent xmlns:mc="http://schemas.openxmlformats.org/markup-compatibility/2006">
               <mc:Choice xmlns:v="urn:schemas-microsoft-com:vml" Requires="v">
-                <p:oleObj spid="_x0000_s7175" name="Двоичный лист" r:id="rId4" imgW="4353081" imgH="2866925" progId="Excel.SheetBinaryMacroEnabled.12">
+                <p:oleObj spid="_x0000_s7177" name="Двоичный лист" r:id="rId3" imgW="4353081" imgH="2866925" progId="Excel.SheetBinaryMacroEnabled.12">
                   <p:embed/>
                 </p:oleObj>
               </mc:Choice>
               <mc:Fallback>
-                <p:oleObj name="Двоичный лист" r:id="rId4" imgW="4353081" imgH="2866925" progId="Excel.SheetBinaryMacroEnabled.12">
+                <p:oleObj name="Двоичный лист" r:id="rId3" imgW="4353081" imgH="2866925" progId="Excel.SheetBinaryMacroEnabled.12">
                   <p:embed/>
                   <p:pic>
                     <p:nvPicPr>
@@ -7941,7 +8661,7 @@
                       <p:nvPr/>
                     </p:nvPicPr>
                     <p:blipFill>
-                      <a:blip r:embed="rId5"/>
+                      <a:blip r:embed="rId4"/>
                       <a:stretch>
                         <a:fillRect/>
                       </a:stretch>
@@ -7959,6 +8679,30 @@
                 </p:oleObj>
               </mc:Fallback>
             </mc:AlternateContent>
+          </a:graphicData>
+        </a:graphic>
+      </p:graphicFrame>
+      <p:graphicFrame>
+        <p:nvGraphicFramePr>
+          <p:cNvPr id="8" name="Диаграмма 7"/>
+          <p:cNvGraphicFramePr>
+            <a:graphicFrameLocks/>
+          </p:cNvGraphicFramePr>
+          <p:nvPr>
+            <p:extLst>
+              <p:ext uri="{D42A27DB-BD31-4B8C-83A1-F6EECF244321}">
+                <p14:modId xmlns:p14="http://schemas.microsoft.com/office/powerpoint/2010/main" val="918634227"/>
+              </p:ext>
+            </p:extLst>
+          </p:nvPr>
+        </p:nvGraphicFramePr>
+        <p:xfrm>
+          <a:off x="5127579" y="1578564"/>
+          <a:ext cx="6238876" cy="3248025"/>
+        </p:xfrm>
+        <a:graphic>
+          <a:graphicData uri="http://schemas.openxmlformats.org/drawingml/2006/chart">
+            <c:chart xmlns:c="http://schemas.openxmlformats.org/drawingml/2006/chart" xmlns:r="http://schemas.openxmlformats.org/officeDocument/2006/relationships" r:id="rId5"/>
           </a:graphicData>
         </a:graphic>
       </p:graphicFrame>
@@ -8074,7 +8818,7 @@
           <a:p>
             <a:fld id="{44E0955F-D797-4FF7-9F57-168AA0F993D1}" type="datetime1">
               <a:rPr lang="ru-RU" smtClean="0"/>
-              <a:t>26.04.2022</a:t>
+              <a:t>27.04.2022</a:t>
             </a:fld>
             <a:endParaRPr lang="ru-RU" dirty="0"/>
           </a:p>
@@ -8148,7 +8892,7 @@
           <a:graphicData uri="http://schemas.openxmlformats.org/presentationml/2006/ole">
             <mc:AlternateContent xmlns:mc="http://schemas.openxmlformats.org/markup-compatibility/2006">
               <mc:Choice xmlns:v="urn:schemas-microsoft-com:vml" Requires="v">
-                <p:oleObj spid="_x0000_s9222" name="Двоичный лист" r:id="rId3" imgW="4353081" imgH="2866925" progId="Excel.SheetBinaryMacroEnabled.12">
+                <p:oleObj spid="_x0000_s9224" name="Двоичный лист" r:id="rId3" imgW="4353081" imgH="2866925" progId="Excel.SheetBinaryMacroEnabled.12">
                   <p:embed/>
                 </p:oleObj>
               </mc:Choice>
@@ -8185,20 +8929,20 @@
       </p:graphicFrame>
       <p:graphicFrame>
         <p:nvGraphicFramePr>
-          <p:cNvPr id="9" name="Диаграмма 8"/>
+          <p:cNvPr id="10" name="Диаграмма 9"/>
           <p:cNvGraphicFramePr>
             <a:graphicFrameLocks/>
           </p:cNvGraphicFramePr>
           <p:nvPr>
             <p:extLst>
               <p:ext uri="{D42A27DB-BD31-4B8C-83A1-F6EECF244321}">
-                <p14:modId xmlns:p14="http://schemas.microsoft.com/office/powerpoint/2010/main" val="533086130"/>
+                <p14:modId xmlns:p14="http://schemas.microsoft.com/office/powerpoint/2010/main" val="2023383473"/>
               </p:ext>
             </p:extLst>
           </p:nvPr>
         </p:nvGraphicFramePr>
         <p:xfrm>
-          <a:off x="5091478" y="1409174"/>
+          <a:off x="5076824" y="1272131"/>
           <a:ext cx="6915151" cy="3895725"/>
         </p:xfrm>
         <a:graphic>
@@ -8242,7 +8986,7 @@
           <p:cNvPr id="5" name="Заголовок 4">
             <a:extLst>
               <a:ext uri="{FF2B5EF4-FFF2-40B4-BE49-F238E27FC236}">
-                <a16:creationId xmlns:a16="http://schemas.microsoft.com/office/drawing/2014/main" id="{D448D9FA-893E-4870-BD8B-65DF1C654E77}"/>
+                <a16:creationId xmlns:a16="http://schemas.microsoft.com/office/drawing/2014/main" xmlns="" id="{D448D9FA-893E-4870-BD8B-65DF1C654E77}"/>
               </a:ext>
             </a:extLst>
           </p:cNvPr>
@@ -8300,7 +9044,7 @@
           <p:cNvPr id="10" name="Объект 9">
             <a:extLst>
               <a:ext uri="{FF2B5EF4-FFF2-40B4-BE49-F238E27FC236}">
-                <a16:creationId xmlns:a16="http://schemas.microsoft.com/office/drawing/2014/main" id="{1CB27D92-96CD-44F8-8D83-564EDD636E51}"/>
+                <a16:creationId xmlns:a16="http://schemas.microsoft.com/office/drawing/2014/main" xmlns="" id="{1CB27D92-96CD-44F8-8D83-564EDD636E51}"/>
               </a:ext>
             </a:extLst>
           </p:cNvPr>
@@ -9019,7 +9763,7 @@
           <p:cNvPr id="8" name="Дата 7">
             <a:extLst>
               <a:ext uri="{FF2B5EF4-FFF2-40B4-BE49-F238E27FC236}">
-                <a16:creationId xmlns:a16="http://schemas.microsoft.com/office/drawing/2014/main" id="{F7F4D3F7-36E3-4B72-BC1D-5F2980B47D66}"/>
+                <a16:creationId xmlns:a16="http://schemas.microsoft.com/office/drawing/2014/main" xmlns="" id="{F7F4D3F7-36E3-4B72-BC1D-5F2980B47D66}"/>
               </a:ext>
             </a:extLst>
           </p:cNvPr>
@@ -9037,7 +9781,7 @@
           <a:p>
             <a:fld id="{2F69B412-2FFB-469E-B29B-6FD9F71D1B4A}" type="datetime1">
               <a:rPr lang="ru-RU" smtClean="0"/>
-              <a:t>26.04.2022</a:t>
+              <a:t>27.04.2022</a:t>
             </a:fld>
             <a:endParaRPr lang="ru-RU" dirty="0"/>
           </a:p>
@@ -9048,7 +9792,7 @@
           <p:cNvPr id="6" name="Нижний колонтитул 5">
             <a:extLst>
               <a:ext uri="{FF2B5EF4-FFF2-40B4-BE49-F238E27FC236}">
-                <a16:creationId xmlns:a16="http://schemas.microsoft.com/office/drawing/2014/main" id="{DC782594-9F4A-4E97-AC68-B38F2CD3E936}"/>
+                <a16:creationId xmlns:a16="http://schemas.microsoft.com/office/drawing/2014/main" xmlns="" id="{DC782594-9F4A-4E97-AC68-B38F2CD3E936}"/>
               </a:ext>
             </a:extLst>
           </p:cNvPr>
@@ -9077,7 +9821,7 @@
           <p:cNvPr id="7" name="Номер слайда 6">
             <a:extLst>
               <a:ext uri="{FF2B5EF4-FFF2-40B4-BE49-F238E27FC236}">
-                <a16:creationId xmlns:a16="http://schemas.microsoft.com/office/drawing/2014/main" id="{D8F8CABC-DB36-4F4C-B4D6-E636A2013CBE}"/>
+                <a16:creationId xmlns:a16="http://schemas.microsoft.com/office/drawing/2014/main" xmlns="" id="{D8F8CABC-DB36-4F4C-B4D6-E636A2013CBE}"/>
               </a:ext>
             </a:extLst>
           </p:cNvPr>
@@ -9136,7 +9880,7 @@
           <p:cNvPr id="4" name="Заголовок 3">
             <a:extLst>
               <a:ext uri="{FF2B5EF4-FFF2-40B4-BE49-F238E27FC236}">
-                <a16:creationId xmlns:a16="http://schemas.microsoft.com/office/drawing/2014/main" id="{BADCCEB6-0C4A-4681-BAE5-867300BC153E}"/>
+                <a16:creationId xmlns:a16="http://schemas.microsoft.com/office/drawing/2014/main" xmlns="" id="{BADCCEB6-0C4A-4681-BAE5-867300BC153E}"/>
               </a:ext>
             </a:extLst>
           </p:cNvPr>
@@ -9173,7 +9917,7 @@
           <p:cNvPr id="9" name="Объект 8">
             <a:extLst>
               <a:ext uri="{FF2B5EF4-FFF2-40B4-BE49-F238E27FC236}">
-                <a16:creationId xmlns:a16="http://schemas.microsoft.com/office/drawing/2014/main" id="{218E2EB6-D834-4934-84AF-10EFBFA05D21}"/>
+                <a16:creationId xmlns:a16="http://schemas.microsoft.com/office/drawing/2014/main" xmlns="" id="{218E2EB6-D834-4934-84AF-10EFBFA05D21}"/>
               </a:ext>
             </a:extLst>
           </p:cNvPr>
@@ -9682,7 +10426,7 @@
           <p:cNvPr id="7" name="Дата 6">
             <a:extLst>
               <a:ext uri="{FF2B5EF4-FFF2-40B4-BE49-F238E27FC236}">
-                <a16:creationId xmlns:a16="http://schemas.microsoft.com/office/drawing/2014/main" id="{FC7A876D-9BF7-4194-9208-A7EDE492A79C}"/>
+                <a16:creationId xmlns:a16="http://schemas.microsoft.com/office/drawing/2014/main" xmlns="" id="{FC7A876D-9BF7-4194-9208-A7EDE492A79C}"/>
               </a:ext>
             </a:extLst>
           </p:cNvPr>
@@ -9700,7 +10444,7 @@
           <a:p>
             <a:fld id="{D5779F22-C20D-4E9F-B8C2-1FF288EE1F47}" type="datetime1">
               <a:rPr lang="ru-RU" smtClean="0"/>
-              <a:t>26.04.2022</a:t>
+              <a:t>27.04.2022</a:t>
             </a:fld>
             <a:endParaRPr lang="ru-RU" dirty="0"/>
           </a:p>
@@ -9711,7 +10455,7 @@
           <p:cNvPr id="5" name="Нижний колонтитул 4">
             <a:extLst>
               <a:ext uri="{FF2B5EF4-FFF2-40B4-BE49-F238E27FC236}">
-                <a16:creationId xmlns:a16="http://schemas.microsoft.com/office/drawing/2014/main" id="{446EAAA1-17F5-422B-86CA-30F52F3E7476}"/>
+                <a16:creationId xmlns:a16="http://schemas.microsoft.com/office/drawing/2014/main" xmlns="" id="{446EAAA1-17F5-422B-86CA-30F52F3E7476}"/>
               </a:ext>
             </a:extLst>
           </p:cNvPr>
@@ -9740,7 +10484,7 @@
           <p:cNvPr id="6" name="Номер слайда 5">
             <a:extLst>
               <a:ext uri="{FF2B5EF4-FFF2-40B4-BE49-F238E27FC236}">
-                <a16:creationId xmlns:a16="http://schemas.microsoft.com/office/drawing/2014/main" id="{1E08A1D2-23D0-45DE-B69D-626B41E1BE03}"/>
+                <a16:creationId xmlns:a16="http://schemas.microsoft.com/office/drawing/2014/main" xmlns="" id="{1E08A1D2-23D0-45DE-B69D-626B41E1BE03}"/>
               </a:ext>
             </a:extLst>
           </p:cNvPr>
@@ -9792,28 +10536,28 @@
                 <a:gridCol w="2032000">
                   <a:extLst>
                     <a:ext uri="{9D8B030D-6E8A-4147-A177-3AD203B41FA5}">
-                      <a16:colId xmlns:a16="http://schemas.microsoft.com/office/drawing/2014/main" val="371572502"/>
+                      <a16:colId xmlns:a16="http://schemas.microsoft.com/office/drawing/2014/main" xmlns="" val="371572502"/>
                     </a:ext>
                   </a:extLst>
                 </a:gridCol>
                 <a:gridCol w="2032000">
                   <a:extLst>
                     <a:ext uri="{9D8B030D-6E8A-4147-A177-3AD203B41FA5}">
-                      <a16:colId xmlns:a16="http://schemas.microsoft.com/office/drawing/2014/main" val="3975214965"/>
+                      <a16:colId xmlns:a16="http://schemas.microsoft.com/office/drawing/2014/main" xmlns="" val="3975214965"/>
                     </a:ext>
                   </a:extLst>
                 </a:gridCol>
                 <a:gridCol w="2032000">
                   <a:extLst>
                     <a:ext uri="{9D8B030D-6E8A-4147-A177-3AD203B41FA5}">
-                      <a16:colId xmlns:a16="http://schemas.microsoft.com/office/drawing/2014/main" val="2456663062"/>
+                      <a16:colId xmlns:a16="http://schemas.microsoft.com/office/drawing/2014/main" xmlns="" val="2456663062"/>
                     </a:ext>
                   </a:extLst>
                 </a:gridCol>
                 <a:gridCol w="2032000">
                   <a:extLst>
                     <a:ext uri="{9D8B030D-6E8A-4147-A177-3AD203B41FA5}">
-                      <a16:colId xmlns:a16="http://schemas.microsoft.com/office/drawing/2014/main" val="509340482"/>
+                      <a16:colId xmlns:a16="http://schemas.microsoft.com/office/drawing/2014/main" xmlns="" val="509340482"/>
                     </a:ext>
                   </a:extLst>
                 </a:gridCol>
@@ -9871,7 +10615,7 @@
                 </a:tc>
                 <a:extLst>
                   <a:ext uri="{0D108BD9-81ED-4DB2-BD59-A6C34878D82A}">
-                    <a16:rowId xmlns:a16="http://schemas.microsoft.com/office/drawing/2014/main" val="2980417252"/>
+                    <a16:rowId xmlns:a16="http://schemas.microsoft.com/office/drawing/2014/main" xmlns="" val="2980417252"/>
                   </a:ext>
                 </a:extLst>
               </a:tr>
@@ -9933,7 +10677,7 @@
                 </a:tc>
                 <a:extLst>
                   <a:ext uri="{0D108BD9-81ED-4DB2-BD59-A6C34878D82A}">
-                    <a16:rowId xmlns:a16="http://schemas.microsoft.com/office/drawing/2014/main" val="2126705251"/>
+                    <a16:rowId xmlns:a16="http://schemas.microsoft.com/office/drawing/2014/main" xmlns="" val="2126705251"/>
                   </a:ext>
                 </a:extLst>
               </a:tr>
@@ -10003,7 +10747,7 @@
                 </a:tc>
                 <a:extLst>
                   <a:ext uri="{0D108BD9-81ED-4DB2-BD59-A6C34878D82A}">
-                    <a16:rowId xmlns:a16="http://schemas.microsoft.com/office/drawing/2014/main" val="996454925"/>
+                    <a16:rowId xmlns:a16="http://schemas.microsoft.com/office/drawing/2014/main" xmlns="" val="996454925"/>
                   </a:ext>
                 </a:extLst>
               </a:tr>
@@ -10065,7 +10809,7 @@
                 </a:tc>
                 <a:extLst>
                   <a:ext uri="{0D108BD9-81ED-4DB2-BD59-A6C34878D82A}">
-                    <a16:rowId xmlns:a16="http://schemas.microsoft.com/office/drawing/2014/main" val="233610459"/>
+                    <a16:rowId xmlns:a16="http://schemas.microsoft.com/office/drawing/2014/main" xmlns="" val="233610459"/>
                   </a:ext>
                 </a:extLst>
               </a:tr>
@@ -10135,7 +10879,7 @@
                 </a:tc>
                 <a:extLst>
                   <a:ext uri="{0D108BD9-81ED-4DB2-BD59-A6C34878D82A}">
-                    <a16:rowId xmlns:a16="http://schemas.microsoft.com/office/drawing/2014/main" val="3975439938"/>
+                    <a16:rowId xmlns:a16="http://schemas.microsoft.com/office/drawing/2014/main" xmlns="" val="3975439938"/>
                   </a:ext>
                 </a:extLst>
               </a:tr>
@@ -10178,7 +10922,7 @@
           <p:cNvPr id="2" name="Заголовок 1">
             <a:extLst>
               <a:ext uri="{FF2B5EF4-FFF2-40B4-BE49-F238E27FC236}">
-                <a16:creationId xmlns:a16="http://schemas.microsoft.com/office/drawing/2014/main" id="{515EF497-8DEC-45C5-8A62-FA196ED89846}"/>
+                <a16:creationId xmlns:a16="http://schemas.microsoft.com/office/drawing/2014/main" xmlns="" id="{515EF497-8DEC-45C5-8A62-FA196ED89846}"/>
               </a:ext>
             </a:extLst>
           </p:cNvPr>
@@ -10238,7 +10982,7 @@
           <p:cNvPr id="9" name="Заголовок 8">
             <a:extLst>
               <a:ext uri="{FF2B5EF4-FFF2-40B4-BE49-F238E27FC236}">
-                <a16:creationId xmlns:a16="http://schemas.microsoft.com/office/drawing/2014/main" id="{9590A45A-00A2-4763-9693-EEB9105E47BA}"/>
+                <a16:creationId xmlns:a16="http://schemas.microsoft.com/office/drawing/2014/main" xmlns="" id="{9590A45A-00A2-4763-9693-EEB9105E47BA}"/>
               </a:ext>
             </a:extLst>
           </p:cNvPr>
@@ -10279,7 +11023,7 @@
           <p:cNvPr id="7" name="Дата 6">
             <a:extLst>
               <a:ext uri="{FF2B5EF4-FFF2-40B4-BE49-F238E27FC236}">
-                <a16:creationId xmlns:a16="http://schemas.microsoft.com/office/drawing/2014/main" id="{CCAD228C-EFCB-4380-9B89-C33E83F1C06A}"/>
+                <a16:creationId xmlns:a16="http://schemas.microsoft.com/office/drawing/2014/main" xmlns="" id="{CCAD228C-EFCB-4380-9B89-C33E83F1C06A}"/>
               </a:ext>
             </a:extLst>
           </p:cNvPr>
@@ -10297,7 +11041,7 @@
           <a:p>
             <a:fld id="{D2F1E462-3017-480F-B32E-3DD937001A55}" type="datetime1">
               <a:rPr lang="ru-RU" smtClean="0"/>
-              <a:t>26.04.2022</a:t>
+              <a:t>27.04.2022</a:t>
             </a:fld>
             <a:endParaRPr lang="ru-RU" dirty="0"/>
           </a:p>
@@ -10308,7 +11052,7 @@
           <p:cNvPr id="8" name="Нижний колонтитул 7">
             <a:extLst>
               <a:ext uri="{FF2B5EF4-FFF2-40B4-BE49-F238E27FC236}">
-                <a16:creationId xmlns:a16="http://schemas.microsoft.com/office/drawing/2014/main" id="{EB42A9F9-31A3-49FC-9A35-FDEE00785A1A}"/>
+                <a16:creationId xmlns:a16="http://schemas.microsoft.com/office/drawing/2014/main" xmlns="" id="{EB42A9F9-31A3-49FC-9A35-FDEE00785A1A}"/>
               </a:ext>
             </a:extLst>
           </p:cNvPr>
@@ -10337,7 +11081,7 @@
           <p:cNvPr id="6" name="Номер слайда 5">
             <a:extLst>
               <a:ext uri="{FF2B5EF4-FFF2-40B4-BE49-F238E27FC236}">
-                <a16:creationId xmlns:a16="http://schemas.microsoft.com/office/drawing/2014/main" id="{4566B233-7D02-4B9C-9B84-F9FB8908B533}"/>
+                <a16:creationId xmlns:a16="http://schemas.microsoft.com/office/drawing/2014/main" xmlns="" id="{4566B233-7D02-4B9C-9B84-F9FB8908B533}"/>
               </a:ext>
             </a:extLst>
           </p:cNvPr>
@@ -10388,25 +11132,8 @@
           <a:p>
             <a:r>
               <a:rPr lang="kk-KZ" dirty="0" smtClean="0"/>
-              <a:t>Көптеген қолданбалы, оның ішінде экономикалық </a:t>
-            </a:r>
-            <a:r>
-              <a:rPr lang="kk-KZ" dirty="0" smtClean="0"/>
-              <a:t>, табиғат құбылыстары, өндірістік инженерия, кескінді тану және т.б. </a:t>
-            </a:r>
-            <a:r>
-              <a:rPr lang="kk-KZ" dirty="0" smtClean="0"/>
-              <a:t>есептер  </a:t>
-            </a:r>
-            <a:r>
-              <a:rPr lang="kk-KZ" dirty="0" smtClean="0"/>
-              <a:t>сызықтық теңдеулер жүйесіне </a:t>
-            </a:r>
-            <a:r>
-              <a:rPr lang="kk-KZ" dirty="0" smtClean="0"/>
-              <a:t>әкелінеді, сәйкесінше сондай есептерді шешуде уақыт пен ресурстарды үнемдеу үшін САТЖны шешудің түрлі әдістерін автоматтандыру өзекті болып табылады.</a:t>
-            </a:r>
-            <a:endParaRPr lang="kk-KZ" dirty="0" smtClean="0"/>
+              <a:t>Көптеген қолданбалы, оның ішінде экономикалық , табиғат құбылыстары, өндірістік инженерия, кескінді тану және т.б. есептер  сызықтық теңдеулер жүйесіне әкелінеді, сәйкесінше сондай есептерді шешуде уақыт пен ресурстарды үнемдеу үшін САТЖны шешудің түрлі әдістерін автоматтандыру өзекті болып табылады.</a:t>
+            </a:r>
           </a:p>
         </p:txBody>
       </p:sp>
@@ -10445,7 +11172,7 @@
           <p:cNvPr id="4" name="Заголовок 3">
             <a:extLst>
               <a:ext uri="{FF2B5EF4-FFF2-40B4-BE49-F238E27FC236}">
-                <a16:creationId xmlns:a16="http://schemas.microsoft.com/office/drawing/2014/main" id="{8263C44E-BF71-4CF3-A95B-11D4CC5307A6}"/>
+                <a16:creationId xmlns:a16="http://schemas.microsoft.com/office/drawing/2014/main" xmlns="" id="{8263C44E-BF71-4CF3-A95B-11D4CC5307A6}"/>
               </a:ext>
             </a:extLst>
           </p:cNvPr>
@@ -10482,7 +11209,7 @@
           <p:cNvPr id="9" name="Объект 8">
             <a:extLst>
               <a:ext uri="{FF2B5EF4-FFF2-40B4-BE49-F238E27FC236}">
-                <a16:creationId xmlns:a16="http://schemas.microsoft.com/office/drawing/2014/main" id="{80435EA2-C945-452A-86D4-EAB636900007}"/>
+                <a16:creationId xmlns:a16="http://schemas.microsoft.com/office/drawing/2014/main" xmlns="" id="{80435EA2-C945-452A-86D4-EAB636900007}"/>
               </a:ext>
             </a:extLst>
           </p:cNvPr>
@@ -10506,11 +11233,7 @@
           <a:p>
             <a:r>
               <a:rPr lang="kk-KZ" dirty="0" smtClean="0"/>
-              <a:t>САТЖ шешудің алгоритмін программалау тілінде </a:t>
-            </a:r>
-            <a:r>
-              <a:rPr lang="kk-KZ" dirty="0" smtClean="0"/>
-              <a:t>құру</a:t>
+              <a:t>САТЖ шешудің алгоритмін программалау тілінде құру</a:t>
             </a:r>
           </a:p>
           <a:p>
@@ -10532,7 +11255,7 @@
           <p:cNvPr id="7" name="Дата 6">
             <a:extLst>
               <a:ext uri="{FF2B5EF4-FFF2-40B4-BE49-F238E27FC236}">
-                <a16:creationId xmlns:a16="http://schemas.microsoft.com/office/drawing/2014/main" id="{73563632-4708-41D8-B720-573906BAFE66}"/>
+                <a16:creationId xmlns:a16="http://schemas.microsoft.com/office/drawing/2014/main" xmlns="" id="{73563632-4708-41D8-B720-573906BAFE66}"/>
               </a:ext>
             </a:extLst>
           </p:cNvPr>
@@ -10550,7 +11273,7 @@
           <a:p>
             <a:fld id="{72EFA71C-0D3E-470E-A426-350DC7500209}" type="datetime1">
               <a:rPr lang="ru-RU" smtClean="0"/>
-              <a:t>26.04.2022</a:t>
+              <a:t>27.04.2022</a:t>
             </a:fld>
             <a:endParaRPr lang="ru-RU" dirty="0"/>
           </a:p>
@@ -10561,7 +11284,7 @@
           <p:cNvPr id="5" name="Нижний колонтитул 4">
             <a:extLst>
               <a:ext uri="{FF2B5EF4-FFF2-40B4-BE49-F238E27FC236}">
-                <a16:creationId xmlns:a16="http://schemas.microsoft.com/office/drawing/2014/main" id="{92AD0149-C5A8-4973-B7E2-9C9AE7A692A3}"/>
+                <a16:creationId xmlns:a16="http://schemas.microsoft.com/office/drawing/2014/main" xmlns="" id="{92AD0149-C5A8-4973-B7E2-9C9AE7A692A3}"/>
               </a:ext>
             </a:extLst>
           </p:cNvPr>
@@ -10590,7 +11313,7 @@
           <p:cNvPr id="6" name="Номер слайда 5">
             <a:extLst>
               <a:ext uri="{FF2B5EF4-FFF2-40B4-BE49-F238E27FC236}">
-                <a16:creationId xmlns:a16="http://schemas.microsoft.com/office/drawing/2014/main" id="{46295A2A-325D-44D1-BAD4-B1510C41C156}"/>
+                <a16:creationId xmlns:a16="http://schemas.microsoft.com/office/drawing/2014/main" xmlns="" id="{46295A2A-325D-44D1-BAD4-B1510C41C156}"/>
               </a:ext>
             </a:extLst>
           </p:cNvPr>
@@ -10649,7 +11372,7 @@
           <p:cNvPr id="4" name="Заголовок 3">
             <a:extLst>
               <a:ext uri="{FF2B5EF4-FFF2-40B4-BE49-F238E27FC236}">
-                <a16:creationId xmlns:a16="http://schemas.microsoft.com/office/drawing/2014/main" id="{9CA50693-4DF5-466D-B66D-60F784FBC0C9}"/>
+                <a16:creationId xmlns:a16="http://schemas.microsoft.com/office/drawing/2014/main" xmlns="" id="{9CA50693-4DF5-466D-B66D-60F784FBC0C9}"/>
               </a:ext>
             </a:extLst>
           </p:cNvPr>
@@ -10714,7 +11437,7 @@
           <p:cNvPr id="9" name="Объект 8">
             <a:extLst>
               <a:ext uri="{FF2B5EF4-FFF2-40B4-BE49-F238E27FC236}">
-                <a16:creationId xmlns:a16="http://schemas.microsoft.com/office/drawing/2014/main" id="{9A0B86FD-C1CA-4D72-930C-EAE8546A30A2}"/>
+                <a16:creationId xmlns:a16="http://schemas.microsoft.com/office/drawing/2014/main" xmlns="" id="{9A0B86FD-C1CA-4D72-930C-EAE8546A30A2}"/>
               </a:ext>
             </a:extLst>
           </p:cNvPr>
@@ -10777,7 +11500,7 @@
           <p:cNvPr id="7" name="Дата 6">
             <a:extLst>
               <a:ext uri="{FF2B5EF4-FFF2-40B4-BE49-F238E27FC236}">
-                <a16:creationId xmlns:a16="http://schemas.microsoft.com/office/drawing/2014/main" id="{049B5B99-EF75-4AFB-9456-CB0929EBE308}"/>
+                <a16:creationId xmlns:a16="http://schemas.microsoft.com/office/drawing/2014/main" xmlns="" id="{049B5B99-EF75-4AFB-9456-CB0929EBE308}"/>
               </a:ext>
             </a:extLst>
           </p:cNvPr>
@@ -10795,7 +11518,7 @@
           <a:p>
             <a:fld id="{6AA39B8D-9B44-4C03-8586-2025FA882966}" type="datetime1">
               <a:rPr lang="ru-RU" smtClean="0"/>
-              <a:t>26.04.2022</a:t>
+              <a:t>27.04.2022</a:t>
             </a:fld>
             <a:endParaRPr lang="ru-RU" dirty="0"/>
           </a:p>
@@ -10806,7 +11529,7 @@
           <p:cNvPr id="5" name="Нижний колонтитул 4">
             <a:extLst>
               <a:ext uri="{FF2B5EF4-FFF2-40B4-BE49-F238E27FC236}">
-                <a16:creationId xmlns:a16="http://schemas.microsoft.com/office/drawing/2014/main" id="{086D19DD-127A-4E9A-AFB2-8884BBEB37A4}"/>
+                <a16:creationId xmlns:a16="http://schemas.microsoft.com/office/drawing/2014/main" xmlns="" id="{086D19DD-127A-4E9A-AFB2-8884BBEB37A4}"/>
               </a:ext>
             </a:extLst>
           </p:cNvPr>
@@ -10867,7 +11590,7 @@
           <p:cNvPr id="6" name="Номер слайда 5">
             <a:extLst>
               <a:ext uri="{FF2B5EF4-FFF2-40B4-BE49-F238E27FC236}">
-                <a16:creationId xmlns:a16="http://schemas.microsoft.com/office/drawing/2014/main" id="{E3588571-E445-434F-8FD2-D54B2296434C}"/>
+                <a16:creationId xmlns:a16="http://schemas.microsoft.com/office/drawing/2014/main" xmlns="" id="{E3588571-E445-434F-8FD2-D54B2296434C}"/>
               </a:ext>
             </a:extLst>
           </p:cNvPr>
@@ -10926,7 +11649,7 @@
           <p:cNvPr id="4" name="Заголовок 3">
             <a:extLst>
               <a:ext uri="{FF2B5EF4-FFF2-40B4-BE49-F238E27FC236}">
-                <a16:creationId xmlns:a16="http://schemas.microsoft.com/office/drawing/2014/main" id="{D95D4696-F944-4C89-9B83-6616BB6638D4}"/>
+                <a16:creationId xmlns:a16="http://schemas.microsoft.com/office/drawing/2014/main" xmlns="" id="{D95D4696-F944-4C89-9B83-6616BB6638D4}"/>
               </a:ext>
             </a:extLst>
           </p:cNvPr>
@@ -10960,7 +11683,7 @@
           <p:cNvPr id="7" name="Дата 6">
             <a:extLst>
               <a:ext uri="{FF2B5EF4-FFF2-40B4-BE49-F238E27FC236}">
-                <a16:creationId xmlns:a16="http://schemas.microsoft.com/office/drawing/2014/main" id="{D8742F10-06D1-4BD4-BA5A-3BDDC21E8878}"/>
+                <a16:creationId xmlns:a16="http://schemas.microsoft.com/office/drawing/2014/main" xmlns="" id="{D8742F10-06D1-4BD4-BA5A-3BDDC21E8878}"/>
               </a:ext>
             </a:extLst>
           </p:cNvPr>
@@ -10978,7 +11701,7 @@
           <a:p>
             <a:fld id="{A643CDCB-9A2C-4E9E-A4D3-2108173B919B}" type="datetime1">
               <a:rPr lang="ru-RU" smtClean="0"/>
-              <a:t>26.04.2022</a:t>
+              <a:t>27.04.2022</a:t>
             </a:fld>
             <a:endParaRPr lang="ru-RU" dirty="0"/>
           </a:p>
@@ -10989,7 +11712,7 @@
           <p:cNvPr id="5" name="Нижний колонтитул 4">
             <a:extLst>
               <a:ext uri="{FF2B5EF4-FFF2-40B4-BE49-F238E27FC236}">
-                <a16:creationId xmlns:a16="http://schemas.microsoft.com/office/drawing/2014/main" id="{D47828EA-BC17-4948-A67F-CD76A3F9002D}"/>
+                <a16:creationId xmlns:a16="http://schemas.microsoft.com/office/drawing/2014/main" xmlns="" id="{D47828EA-BC17-4948-A67F-CD76A3F9002D}"/>
               </a:ext>
             </a:extLst>
           </p:cNvPr>
@@ -11018,7 +11741,7 @@
           <p:cNvPr id="6" name="Номер слайда 5">
             <a:extLst>
               <a:ext uri="{FF2B5EF4-FFF2-40B4-BE49-F238E27FC236}">
-                <a16:creationId xmlns:a16="http://schemas.microsoft.com/office/drawing/2014/main" id="{A0D18334-E7B7-4952-9766-69063E780E08}"/>
+                <a16:creationId xmlns:a16="http://schemas.microsoft.com/office/drawing/2014/main" xmlns="" id="{A0D18334-E7B7-4952-9766-69063E780E08}"/>
               </a:ext>
             </a:extLst>
           </p:cNvPr>
@@ -11071,14 +11794,14 @@
                 <a:gridCol w="4354945">
                   <a:extLst>
                     <a:ext uri="{9D8B030D-6E8A-4147-A177-3AD203B41FA5}">
-                      <a16:colId xmlns:a16="http://schemas.microsoft.com/office/drawing/2014/main" val="3377184731"/>
+                      <a16:colId xmlns:a16="http://schemas.microsoft.com/office/drawing/2014/main" xmlns="" val="3377184731"/>
                     </a:ext>
                   </a:extLst>
                 </a:gridCol>
                 <a:gridCol w="4354945">
                   <a:extLst>
                     <a:ext uri="{9D8B030D-6E8A-4147-A177-3AD203B41FA5}">
-                      <a16:colId xmlns:a16="http://schemas.microsoft.com/office/drawing/2014/main" val="3065886717"/>
+                      <a16:colId xmlns:a16="http://schemas.microsoft.com/office/drawing/2014/main" xmlns="" val="3065886717"/>
                     </a:ext>
                   </a:extLst>
                 </a:gridCol>
@@ -11115,7 +11838,7 @@
                 </a:tc>
                 <a:extLst>
                   <a:ext uri="{0D108BD9-81ED-4DB2-BD59-A6C34878D82A}">
-                    <a16:rowId xmlns:a16="http://schemas.microsoft.com/office/drawing/2014/main" val="705156520"/>
+                    <a16:rowId xmlns:a16="http://schemas.microsoft.com/office/drawing/2014/main" xmlns="" val="705156520"/>
                   </a:ext>
                 </a:extLst>
               </a:tr>
@@ -11160,7 +11883,7 @@
                 </a:tc>
                 <a:extLst>
                   <a:ext uri="{0D108BD9-81ED-4DB2-BD59-A6C34878D82A}">
-                    <a16:rowId xmlns:a16="http://schemas.microsoft.com/office/drawing/2014/main" val="1140924515"/>
+                    <a16:rowId xmlns:a16="http://schemas.microsoft.com/office/drawing/2014/main" xmlns="" val="1140924515"/>
                   </a:ext>
                 </a:extLst>
               </a:tr>
@@ -11237,7 +11960,7 @@
                 </a:tc>
                 <a:extLst>
                   <a:ext uri="{0D108BD9-81ED-4DB2-BD59-A6C34878D82A}">
-                    <a16:rowId xmlns:a16="http://schemas.microsoft.com/office/drawing/2014/main" val="2497548534"/>
+                    <a16:rowId xmlns:a16="http://schemas.microsoft.com/office/drawing/2014/main" xmlns="" val="2497548534"/>
                   </a:ext>
                 </a:extLst>
               </a:tr>
@@ -11274,7 +11997,7 @@
                 </a:tc>
                 <a:extLst>
                   <a:ext uri="{0D108BD9-81ED-4DB2-BD59-A6C34878D82A}">
-                    <a16:rowId xmlns:a16="http://schemas.microsoft.com/office/drawing/2014/main" val="4001791123"/>
+                    <a16:rowId xmlns:a16="http://schemas.microsoft.com/office/drawing/2014/main" xmlns="" val="4001791123"/>
                   </a:ext>
                 </a:extLst>
               </a:tr>
@@ -11311,7 +12034,7 @@
                 </a:tc>
                 <a:extLst>
                   <a:ext uri="{0D108BD9-81ED-4DB2-BD59-A6C34878D82A}">
-                    <a16:rowId xmlns:a16="http://schemas.microsoft.com/office/drawing/2014/main" val="4030120575"/>
+                    <a16:rowId xmlns:a16="http://schemas.microsoft.com/office/drawing/2014/main" xmlns="" val="4030120575"/>
                   </a:ext>
                 </a:extLst>
               </a:tr>
@@ -11391,7 +12114,7 @@
           <a:p>
             <a:fld id="{44E0955F-D797-4FF7-9F57-168AA0F993D1}" type="datetime1">
               <a:rPr lang="ru-RU" smtClean="0"/>
-              <a:t>26.04.2022</a:t>
+              <a:t>27.04.2022</a:t>
             </a:fld>
             <a:endParaRPr lang="ru-RU" dirty="0"/>
           </a:p>
@@ -12154,7 +12877,7 @@
           <a:graphicData uri="http://schemas.openxmlformats.org/presentationml/2006/ole">
             <mc:AlternateContent xmlns:mc="http://schemas.openxmlformats.org/markup-compatibility/2006">
               <mc:Choice xmlns:v="urn:schemas-microsoft-com:vml" Requires="v">
-                <p:oleObj spid="_x0000_s5131" name="Equation" r:id="rId3" imgW="4775040" imgH="711000" progId="Equation.DSMT4">
+                <p:oleObj spid="_x0000_s5133" name="Equation" r:id="rId3" imgW="4775040" imgH="711000" progId="Equation.DSMT4">
                   <p:embed/>
                 </p:oleObj>
               </mc:Choice>
@@ -12261,7 +12984,7 @@
           <a:p>
             <a:fld id="{44E0955F-D797-4FF7-9F57-168AA0F993D1}" type="datetime1">
               <a:rPr lang="ru-RU" smtClean="0"/>
-              <a:t>26.04.2022</a:t>
+              <a:t>27.04.2022</a:t>
             </a:fld>
             <a:endParaRPr lang="ru-RU" dirty="0"/>
           </a:p>
@@ -12335,7 +13058,7 @@
           <a:graphicData uri="http://schemas.openxmlformats.org/presentationml/2006/ole">
             <mc:AlternateContent xmlns:mc="http://schemas.openxmlformats.org/markup-compatibility/2006">
               <mc:Choice xmlns:v="urn:schemas-microsoft-com:vml" Requires="v">
-                <p:oleObj spid="_x0000_s2073" name="Equation" r:id="rId3" imgW="1828800" imgH="1244520" progId="Equation.DSMT4">
+                <p:oleObj spid="_x0000_s2077" name="Equation" r:id="rId3" imgW="1828800" imgH="1244520" progId="Equation.DSMT4">
                   <p:embed/>
                 </p:oleObj>
               </mc:Choice>
@@ -13124,7 +13847,7 @@
           <a:graphicData uri="http://schemas.openxmlformats.org/presentationml/2006/ole">
             <mc:AlternateContent xmlns:mc="http://schemas.openxmlformats.org/markup-compatibility/2006">
               <mc:Choice xmlns:v="urn:schemas-microsoft-com:vml" Requires="v">
-                <p:oleObj spid="_x0000_s2074" name="Equation" r:id="rId5" imgW="2616120" imgH="1193760" progId="Equation.DSMT4">
+                <p:oleObj spid="_x0000_s2078" name="Equation" r:id="rId5" imgW="2616120" imgH="1193760" progId="Equation.DSMT4">
                   <p:embed/>
                 </p:oleObj>
               </mc:Choice>
@@ -13756,7 +14479,7 @@
           <a:p>
             <a:fld id="{44E0955F-D797-4FF7-9F57-168AA0F993D1}" type="datetime1">
               <a:rPr lang="ru-RU" smtClean="0"/>
-              <a:t>26.04.2022</a:t>
+              <a:t>27.04.2022</a:t>
             </a:fld>
             <a:endParaRPr lang="ru-RU" dirty="0"/>
           </a:p>
@@ -13830,7 +14553,7 @@
           <a:graphicData uri="http://schemas.openxmlformats.org/presentationml/2006/ole">
             <mc:AlternateContent xmlns:mc="http://schemas.openxmlformats.org/markup-compatibility/2006">
               <mc:Choice xmlns:v="urn:schemas-microsoft-com:vml" Requires="v">
-                <p:oleObj spid="_x0000_s4120" name="Equation" r:id="rId3" imgW="8503920" imgH="2110850" progId="Equation.DSMT4">
+                <p:oleObj spid="_x0000_s4124" name="Equation" r:id="rId3" imgW="8503920" imgH="2110850" progId="Equation.DSMT4">
                   <p:embed/>
                 </p:oleObj>
               </mc:Choice>
@@ -13887,7 +14610,7 @@
           <a:graphicData uri="http://schemas.openxmlformats.org/presentationml/2006/ole">
             <mc:AlternateContent xmlns:mc="http://schemas.openxmlformats.org/markup-compatibility/2006">
               <mc:Choice xmlns:v="urn:schemas-microsoft-com:vml" Requires="v">
-                <p:oleObj spid="_x0000_s4121" name="Equation" r:id="rId5" imgW="4216320" imgH="939600" progId="Equation.DSMT4">
+                <p:oleObj spid="_x0000_s4125" name="Equation" r:id="rId5" imgW="4216320" imgH="939600" progId="Equation.DSMT4">
                   <p:embed/>
                 </p:oleObj>
               </mc:Choice>
@@ -14432,7 +15155,7 @@
           <a:p>
             <a:fld id="{44E0955F-D797-4FF7-9F57-168AA0F993D1}" type="datetime1">
               <a:rPr lang="ru-RU" smtClean="0"/>
-              <a:t>26.04.2022</a:t>
+              <a:t>27.04.2022</a:t>
             </a:fld>
             <a:endParaRPr lang="ru-RU" dirty="0"/>
           </a:p>
@@ -14506,7 +15229,7 @@
           <a:graphicData uri="http://schemas.openxmlformats.org/presentationml/2006/ole">
             <mc:AlternateContent xmlns:mc="http://schemas.openxmlformats.org/markup-compatibility/2006">
               <mc:Choice xmlns:v="urn:schemas-microsoft-com:vml" Requires="v">
-                <p:oleObj spid="_x0000_s1048" name="Equation" r:id="rId3" imgW="1460160" imgH="1968480" progId="Equation.DSMT4">
+                <p:oleObj spid="_x0000_s1052" name="Equation" r:id="rId3" imgW="1460160" imgH="1968480" progId="Equation.DSMT4">
                   <p:embed/>
                 </p:oleObj>
               </mc:Choice>
@@ -14563,7 +15286,7 @@
           <a:graphicData uri="http://schemas.openxmlformats.org/presentationml/2006/ole">
             <mc:AlternateContent xmlns:mc="http://schemas.openxmlformats.org/markup-compatibility/2006">
               <mc:Choice xmlns:v="urn:schemas-microsoft-com:vml" Requires="v">
-                <p:oleObj spid="_x0000_s1049" name="Equation" r:id="rId5" imgW="3974760" imgH="1485720" progId="Equation.DSMT4">
+                <p:oleObj spid="_x0000_s1053" name="Equation" r:id="rId5" imgW="3974760" imgH="1485720" progId="Equation.DSMT4">
                   <p:embed/>
                 </p:oleObj>
               </mc:Choice>
